--- a/Safegraph meeting (04_11).pptx
+++ b/Safegraph meeting (04_11).pptx
@@ -7497,6 +7497,408 @@
   <p:clrMapOvr>
     <a:masterClrMapping/>
   </p:clrMapOvr>
+  <p:timing>
+    <p:tnLst>
+      <p:par>
+        <p:cTn id="1" dur="indefinite" restart="never" nodeType="tmRoot">
+          <p:childTnLst>
+            <p:seq concurrent="1" nextAc="seek">
+              <p:cTn id="2" dur="indefinite" nodeType="mainSeq">
+                <p:childTnLst>
+                  <p:par>
+                    <p:cTn id="3" fill="hold">
+                      <p:stCondLst>
+                        <p:cond delay="indefinite"/>
+                      </p:stCondLst>
+                      <p:childTnLst>
+                        <p:par>
+                          <p:cTn id="4" fill="hold">
+                            <p:stCondLst>
+                              <p:cond delay="0"/>
+                            </p:stCondLst>
+                            <p:childTnLst>
+                              <p:par>
+                                <p:cTn id="5" presetID="1" presetClass="entr" presetSubtype="0" fill="hold" grpId="0" nodeType="clickEffect">
+                                  <p:stCondLst>
+                                    <p:cond delay="0"/>
+                                  </p:stCondLst>
+                                  <p:childTnLst>
+                                    <p:set>
+                                      <p:cBhvr>
+                                        <p:cTn id="6" dur="1" fill="hold">
+                                          <p:stCondLst>
+                                            <p:cond delay="0"/>
+                                          </p:stCondLst>
+                                        </p:cTn>
+                                        <p:tgtEl>
+                                          <p:spTgt spid="113">
+                                            <p:txEl>
+                                              <p:pRg st="0" end="0"/>
+                                            </p:txEl>
+                                          </p:spTgt>
+                                        </p:tgtEl>
+                                        <p:attrNameLst>
+                                          <p:attrName>style.visibility</p:attrName>
+                                        </p:attrNameLst>
+                                      </p:cBhvr>
+                                      <p:to>
+                                        <p:strVal val="visible"/>
+                                      </p:to>
+                                    </p:set>
+                                  </p:childTnLst>
+                                </p:cTn>
+                              </p:par>
+                            </p:childTnLst>
+                          </p:cTn>
+                        </p:par>
+                      </p:childTnLst>
+                    </p:cTn>
+                  </p:par>
+                  <p:par>
+                    <p:cTn id="7" fill="hold">
+                      <p:stCondLst>
+                        <p:cond delay="indefinite"/>
+                      </p:stCondLst>
+                      <p:childTnLst>
+                        <p:par>
+                          <p:cTn id="8" fill="hold">
+                            <p:stCondLst>
+                              <p:cond delay="0"/>
+                            </p:stCondLst>
+                            <p:childTnLst>
+                              <p:par>
+                                <p:cTn id="9" presetID="1" presetClass="entr" presetSubtype="0" fill="hold" grpId="0" nodeType="clickEffect">
+                                  <p:stCondLst>
+                                    <p:cond delay="0"/>
+                                  </p:stCondLst>
+                                  <p:childTnLst>
+                                    <p:set>
+                                      <p:cBhvr>
+                                        <p:cTn id="10" dur="1" fill="hold">
+                                          <p:stCondLst>
+                                            <p:cond delay="0"/>
+                                          </p:stCondLst>
+                                        </p:cTn>
+                                        <p:tgtEl>
+                                          <p:spTgt spid="113">
+                                            <p:txEl>
+                                              <p:pRg st="1" end="1"/>
+                                            </p:txEl>
+                                          </p:spTgt>
+                                        </p:tgtEl>
+                                        <p:attrNameLst>
+                                          <p:attrName>style.visibility</p:attrName>
+                                        </p:attrNameLst>
+                                      </p:cBhvr>
+                                      <p:to>
+                                        <p:strVal val="visible"/>
+                                      </p:to>
+                                    </p:set>
+                                  </p:childTnLst>
+                                </p:cTn>
+                              </p:par>
+                            </p:childTnLst>
+                          </p:cTn>
+                        </p:par>
+                      </p:childTnLst>
+                    </p:cTn>
+                  </p:par>
+                  <p:par>
+                    <p:cTn id="11" fill="hold">
+                      <p:stCondLst>
+                        <p:cond delay="indefinite"/>
+                      </p:stCondLst>
+                      <p:childTnLst>
+                        <p:par>
+                          <p:cTn id="12" fill="hold">
+                            <p:stCondLst>
+                              <p:cond delay="0"/>
+                            </p:stCondLst>
+                            <p:childTnLst>
+                              <p:par>
+                                <p:cTn id="13" presetID="1" presetClass="entr" presetSubtype="0" fill="hold" grpId="0" nodeType="clickEffect">
+                                  <p:stCondLst>
+                                    <p:cond delay="0"/>
+                                  </p:stCondLst>
+                                  <p:childTnLst>
+                                    <p:set>
+                                      <p:cBhvr>
+                                        <p:cTn id="14" dur="1" fill="hold">
+                                          <p:stCondLst>
+                                            <p:cond delay="0"/>
+                                          </p:stCondLst>
+                                        </p:cTn>
+                                        <p:tgtEl>
+                                          <p:spTgt spid="113">
+                                            <p:txEl>
+                                              <p:pRg st="2" end="2"/>
+                                            </p:txEl>
+                                          </p:spTgt>
+                                        </p:tgtEl>
+                                        <p:attrNameLst>
+                                          <p:attrName>style.visibility</p:attrName>
+                                        </p:attrNameLst>
+                                      </p:cBhvr>
+                                      <p:to>
+                                        <p:strVal val="visible"/>
+                                      </p:to>
+                                    </p:set>
+                                  </p:childTnLst>
+                                </p:cTn>
+                              </p:par>
+                              <p:par>
+                                <p:cTn id="15" presetID="1" presetClass="entr" presetSubtype="0" fill="hold" grpId="0" nodeType="withEffect">
+                                  <p:stCondLst>
+                                    <p:cond delay="0"/>
+                                  </p:stCondLst>
+                                  <p:childTnLst>
+                                    <p:set>
+                                      <p:cBhvr>
+                                        <p:cTn id="16" dur="1" fill="hold">
+                                          <p:stCondLst>
+                                            <p:cond delay="0"/>
+                                          </p:stCondLst>
+                                        </p:cTn>
+                                        <p:tgtEl>
+                                          <p:spTgt spid="113">
+                                            <p:txEl>
+                                              <p:pRg st="3" end="3"/>
+                                            </p:txEl>
+                                          </p:spTgt>
+                                        </p:tgtEl>
+                                        <p:attrNameLst>
+                                          <p:attrName>style.visibility</p:attrName>
+                                        </p:attrNameLst>
+                                      </p:cBhvr>
+                                      <p:to>
+                                        <p:strVal val="visible"/>
+                                      </p:to>
+                                    </p:set>
+                                  </p:childTnLst>
+                                </p:cTn>
+                              </p:par>
+                            </p:childTnLst>
+                          </p:cTn>
+                        </p:par>
+                      </p:childTnLst>
+                    </p:cTn>
+                  </p:par>
+                  <p:par>
+                    <p:cTn id="17" fill="hold">
+                      <p:stCondLst>
+                        <p:cond delay="indefinite"/>
+                      </p:stCondLst>
+                      <p:childTnLst>
+                        <p:par>
+                          <p:cTn id="18" fill="hold">
+                            <p:stCondLst>
+                              <p:cond delay="0"/>
+                            </p:stCondLst>
+                            <p:childTnLst>
+                              <p:par>
+                                <p:cTn id="19" presetID="1" presetClass="entr" presetSubtype="0" fill="hold" grpId="0" nodeType="clickEffect">
+                                  <p:stCondLst>
+                                    <p:cond delay="0"/>
+                                  </p:stCondLst>
+                                  <p:childTnLst>
+                                    <p:set>
+                                      <p:cBhvr>
+                                        <p:cTn id="20" dur="1" fill="hold">
+                                          <p:stCondLst>
+                                            <p:cond delay="0"/>
+                                          </p:stCondLst>
+                                        </p:cTn>
+                                        <p:tgtEl>
+                                          <p:spTgt spid="113">
+                                            <p:txEl>
+                                              <p:pRg st="4" end="4"/>
+                                            </p:txEl>
+                                          </p:spTgt>
+                                        </p:tgtEl>
+                                        <p:attrNameLst>
+                                          <p:attrName>style.visibility</p:attrName>
+                                        </p:attrNameLst>
+                                      </p:cBhvr>
+                                      <p:to>
+                                        <p:strVal val="visible"/>
+                                      </p:to>
+                                    </p:set>
+                                  </p:childTnLst>
+                                </p:cTn>
+                              </p:par>
+                              <p:par>
+                                <p:cTn id="21" presetID="1" presetClass="entr" presetSubtype="0" fill="hold" grpId="0" nodeType="withEffect">
+                                  <p:stCondLst>
+                                    <p:cond delay="0"/>
+                                  </p:stCondLst>
+                                  <p:childTnLst>
+                                    <p:set>
+                                      <p:cBhvr>
+                                        <p:cTn id="22" dur="1" fill="hold">
+                                          <p:stCondLst>
+                                            <p:cond delay="0"/>
+                                          </p:stCondLst>
+                                        </p:cTn>
+                                        <p:tgtEl>
+                                          <p:spTgt spid="113">
+                                            <p:txEl>
+                                              <p:pRg st="5" end="5"/>
+                                            </p:txEl>
+                                          </p:spTgt>
+                                        </p:tgtEl>
+                                        <p:attrNameLst>
+                                          <p:attrName>style.visibility</p:attrName>
+                                        </p:attrNameLst>
+                                      </p:cBhvr>
+                                      <p:to>
+                                        <p:strVal val="visible"/>
+                                      </p:to>
+                                    </p:set>
+                                  </p:childTnLst>
+                                </p:cTn>
+                              </p:par>
+                              <p:par>
+                                <p:cTn id="23" presetID="1" presetClass="entr" presetSubtype="0" fill="hold" grpId="0" nodeType="withEffect">
+                                  <p:stCondLst>
+                                    <p:cond delay="0"/>
+                                  </p:stCondLst>
+                                  <p:childTnLst>
+                                    <p:set>
+                                      <p:cBhvr>
+                                        <p:cTn id="24" dur="1" fill="hold">
+                                          <p:stCondLst>
+                                            <p:cond delay="0"/>
+                                          </p:stCondLst>
+                                        </p:cTn>
+                                        <p:tgtEl>
+                                          <p:spTgt spid="113">
+                                            <p:txEl>
+                                              <p:pRg st="6" end="6"/>
+                                            </p:txEl>
+                                          </p:spTgt>
+                                        </p:tgtEl>
+                                        <p:attrNameLst>
+                                          <p:attrName>style.visibility</p:attrName>
+                                        </p:attrNameLst>
+                                      </p:cBhvr>
+                                      <p:to>
+                                        <p:strVal val="visible"/>
+                                      </p:to>
+                                    </p:set>
+                                  </p:childTnLst>
+                                </p:cTn>
+                              </p:par>
+                              <p:par>
+                                <p:cTn id="25" presetID="1" presetClass="entr" presetSubtype="0" fill="hold" grpId="0" nodeType="withEffect">
+                                  <p:stCondLst>
+                                    <p:cond delay="0"/>
+                                  </p:stCondLst>
+                                  <p:childTnLst>
+                                    <p:set>
+                                      <p:cBhvr>
+                                        <p:cTn id="26" dur="1" fill="hold">
+                                          <p:stCondLst>
+                                            <p:cond delay="0"/>
+                                          </p:stCondLst>
+                                        </p:cTn>
+                                        <p:tgtEl>
+                                          <p:spTgt spid="113">
+                                            <p:txEl>
+                                              <p:pRg st="7" end="7"/>
+                                            </p:txEl>
+                                          </p:spTgt>
+                                        </p:tgtEl>
+                                        <p:attrNameLst>
+                                          <p:attrName>style.visibility</p:attrName>
+                                        </p:attrNameLst>
+                                      </p:cBhvr>
+                                      <p:to>
+                                        <p:strVal val="visible"/>
+                                      </p:to>
+                                    </p:set>
+                                  </p:childTnLst>
+                                </p:cTn>
+                              </p:par>
+                            </p:childTnLst>
+                          </p:cTn>
+                        </p:par>
+                      </p:childTnLst>
+                    </p:cTn>
+                  </p:par>
+                  <p:par>
+                    <p:cTn id="27" fill="hold">
+                      <p:stCondLst>
+                        <p:cond delay="indefinite"/>
+                      </p:stCondLst>
+                      <p:childTnLst>
+                        <p:par>
+                          <p:cTn id="28" fill="hold">
+                            <p:stCondLst>
+                              <p:cond delay="0"/>
+                            </p:stCondLst>
+                            <p:childTnLst>
+                              <p:par>
+                                <p:cTn id="29" presetID="1" presetClass="entr" presetSubtype="0" fill="hold" grpId="0" nodeType="clickEffect">
+                                  <p:stCondLst>
+                                    <p:cond delay="0"/>
+                                  </p:stCondLst>
+                                  <p:childTnLst>
+                                    <p:set>
+                                      <p:cBhvr>
+                                        <p:cTn id="30" dur="1" fill="hold">
+                                          <p:stCondLst>
+                                            <p:cond delay="0"/>
+                                          </p:stCondLst>
+                                        </p:cTn>
+                                        <p:tgtEl>
+                                          <p:spTgt spid="113">
+                                            <p:txEl>
+                                              <p:pRg st="8" end="8"/>
+                                            </p:txEl>
+                                          </p:spTgt>
+                                        </p:tgtEl>
+                                        <p:attrNameLst>
+                                          <p:attrName>style.visibility</p:attrName>
+                                        </p:attrNameLst>
+                                      </p:cBhvr>
+                                      <p:to>
+                                        <p:strVal val="visible"/>
+                                      </p:to>
+                                    </p:set>
+                                  </p:childTnLst>
+                                </p:cTn>
+                              </p:par>
+                            </p:childTnLst>
+                          </p:cTn>
+                        </p:par>
+                      </p:childTnLst>
+                    </p:cTn>
+                  </p:par>
+                </p:childTnLst>
+              </p:cTn>
+              <p:prevCondLst>
+                <p:cond evt="onPrev" delay="0">
+                  <p:tgtEl>
+                    <p:sldTgt/>
+                  </p:tgtEl>
+                </p:cond>
+              </p:prevCondLst>
+              <p:nextCondLst>
+                <p:cond evt="onNext" delay="0">
+                  <p:tgtEl>
+                    <p:sldTgt/>
+                  </p:tgtEl>
+                </p:cond>
+              </p:nextCondLst>
+            </p:seq>
+          </p:childTnLst>
+        </p:cTn>
+      </p:par>
+    </p:tnLst>
+    <p:bldLst>
+      <p:bldP spid="113" grpId="0" build="p"/>
+    </p:bldLst>
+  </p:timing>
 </p:sld>
 </file>
 
@@ -8598,6 +9000,390 @@
   <p:clrMapOvr>
     <a:masterClrMapping/>
   </p:clrMapOvr>
+  <p:timing>
+    <p:tnLst>
+      <p:par>
+        <p:cTn id="1" dur="indefinite" restart="never" nodeType="tmRoot">
+          <p:childTnLst>
+            <p:seq concurrent="1" nextAc="seek">
+              <p:cTn id="2" dur="indefinite" nodeType="mainSeq">
+                <p:childTnLst>
+                  <p:par>
+                    <p:cTn id="3" fill="hold">
+                      <p:stCondLst>
+                        <p:cond delay="indefinite"/>
+                      </p:stCondLst>
+                      <p:childTnLst>
+                        <p:par>
+                          <p:cTn id="4" fill="hold">
+                            <p:stCondLst>
+                              <p:cond delay="0"/>
+                            </p:stCondLst>
+                            <p:childTnLst>
+                              <p:par>
+                                <p:cTn id="5" presetID="1" presetClass="entr" presetSubtype="0" fill="hold" grpId="0" nodeType="clickEffect">
+                                  <p:stCondLst>
+                                    <p:cond delay="0"/>
+                                  </p:stCondLst>
+                                  <p:childTnLst>
+                                    <p:set>
+                                      <p:cBhvr>
+                                        <p:cTn id="6" dur="1" fill="hold">
+                                          <p:stCondLst>
+                                            <p:cond delay="0"/>
+                                          </p:stCondLst>
+                                        </p:cTn>
+                                        <p:tgtEl>
+                                          <p:spTgt spid="125">
+                                            <p:txEl>
+                                              <p:pRg st="0" end="0"/>
+                                            </p:txEl>
+                                          </p:spTgt>
+                                        </p:tgtEl>
+                                        <p:attrNameLst>
+                                          <p:attrName>style.visibility</p:attrName>
+                                        </p:attrNameLst>
+                                      </p:cBhvr>
+                                      <p:to>
+                                        <p:strVal val="visible"/>
+                                      </p:to>
+                                    </p:set>
+                                  </p:childTnLst>
+                                </p:cTn>
+                              </p:par>
+                              <p:par>
+                                <p:cTn id="7" presetID="1" presetClass="entr" presetSubtype="0" fill="hold" grpId="0" nodeType="withEffect">
+                                  <p:stCondLst>
+                                    <p:cond delay="0"/>
+                                  </p:stCondLst>
+                                  <p:childTnLst>
+                                    <p:set>
+                                      <p:cBhvr>
+                                        <p:cTn id="8" dur="1" fill="hold">
+                                          <p:stCondLst>
+                                            <p:cond delay="0"/>
+                                          </p:stCondLst>
+                                        </p:cTn>
+                                        <p:tgtEl>
+                                          <p:spTgt spid="125">
+                                            <p:txEl>
+                                              <p:pRg st="1" end="1"/>
+                                            </p:txEl>
+                                          </p:spTgt>
+                                        </p:tgtEl>
+                                        <p:attrNameLst>
+                                          <p:attrName>style.visibility</p:attrName>
+                                        </p:attrNameLst>
+                                      </p:cBhvr>
+                                      <p:to>
+                                        <p:strVal val="visible"/>
+                                      </p:to>
+                                    </p:set>
+                                  </p:childTnLst>
+                                </p:cTn>
+                              </p:par>
+                            </p:childTnLst>
+                          </p:cTn>
+                        </p:par>
+                      </p:childTnLst>
+                    </p:cTn>
+                  </p:par>
+                  <p:par>
+                    <p:cTn id="9" fill="hold">
+                      <p:stCondLst>
+                        <p:cond delay="indefinite"/>
+                      </p:stCondLst>
+                      <p:childTnLst>
+                        <p:par>
+                          <p:cTn id="10" fill="hold">
+                            <p:stCondLst>
+                              <p:cond delay="0"/>
+                            </p:stCondLst>
+                            <p:childTnLst>
+                              <p:par>
+                                <p:cTn id="11" presetID="1" presetClass="entr" presetSubtype="0" fill="hold" grpId="0" nodeType="clickEffect">
+                                  <p:stCondLst>
+                                    <p:cond delay="0"/>
+                                  </p:stCondLst>
+                                  <p:childTnLst>
+                                    <p:set>
+                                      <p:cBhvr>
+                                        <p:cTn id="12" dur="1" fill="hold">
+                                          <p:stCondLst>
+                                            <p:cond delay="0"/>
+                                          </p:stCondLst>
+                                        </p:cTn>
+                                        <p:tgtEl>
+                                          <p:spTgt spid="125">
+                                            <p:txEl>
+                                              <p:pRg st="2" end="2"/>
+                                            </p:txEl>
+                                          </p:spTgt>
+                                        </p:tgtEl>
+                                        <p:attrNameLst>
+                                          <p:attrName>style.visibility</p:attrName>
+                                        </p:attrNameLst>
+                                      </p:cBhvr>
+                                      <p:to>
+                                        <p:strVal val="visible"/>
+                                      </p:to>
+                                    </p:set>
+                                  </p:childTnLst>
+                                </p:cTn>
+                              </p:par>
+                              <p:par>
+                                <p:cTn id="13" presetID="1" presetClass="entr" presetSubtype="0" fill="hold" grpId="0" nodeType="withEffect">
+                                  <p:stCondLst>
+                                    <p:cond delay="0"/>
+                                  </p:stCondLst>
+                                  <p:childTnLst>
+                                    <p:set>
+                                      <p:cBhvr>
+                                        <p:cTn id="14" dur="1" fill="hold">
+                                          <p:stCondLst>
+                                            <p:cond delay="0"/>
+                                          </p:stCondLst>
+                                        </p:cTn>
+                                        <p:tgtEl>
+                                          <p:spTgt spid="125">
+                                            <p:txEl>
+                                              <p:pRg st="3" end="3"/>
+                                            </p:txEl>
+                                          </p:spTgt>
+                                        </p:tgtEl>
+                                        <p:attrNameLst>
+                                          <p:attrName>style.visibility</p:attrName>
+                                        </p:attrNameLst>
+                                      </p:cBhvr>
+                                      <p:to>
+                                        <p:strVal val="visible"/>
+                                      </p:to>
+                                    </p:set>
+                                  </p:childTnLst>
+                                </p:cTn>
+                              </p:par>
+                            </p:childTnLst>
+                          </p:cTn>
+                        </p:par>
+                      </p:childTnLst>
+                    </p:cTn>
+                  </p:par>
+                  <p:par>
+                    <p:cTn id="15" fill="hold">
+                      <p:stCondLst>
+                        <p:cond delay="indefinite"/>
+                      </p:stCondLst>
+                      <p:childTnLst>
+                        <p:par>
+                          <p:cTn id="16" fill="hold">
+                            <p:stCondLst>
+                              <p:cond delay="0"/>
+                            </p:stCondLst>
+                            <p:childTnLst>
+                              <p:par>
+                                <p:cTn id="17" presetID="1" presetClass="entr" presetSubtype="0" fill="hold" grpId="0" nodeType="clickEffect">
+                                  <p:stCondLst>
+                                    <p:cond delay="0"/>
+                                  </p:stCondLst>
+                                  <p:childTnLst>
+                                    <p:set>
+                                      <p:cBhvr>
+                                        <p:cTn id="18" dur="1" fill="hold">
+                                          <p:stCondLst>
+                                            <p:cond delay="0"/>
+                                          </p:stCondLst>
+                                        </p:cTn>
+                                        <p:tgtEl>
+                                          <p:spTgt spid="125">
+                                            <p:txEl>
+                                              <p:pRg st="4" end="4"/>
+                                            </p:txEl>
+                                          </p:spTgt>
+                                        </p:tgtEl>
+                                        <p:attrNameLst>
+                                          <p:attrName>style.visibility</p:attrName>
+                                        </p:attrNameLst>
+                                      </p:cBhvr>
+                                      <p:to>
+                                        <p:strVal val="visible"/>
+                                      </p:to>
+                                    </p:set>
+                                  </p:childTnLst>
+                                </p:cTn>
+                              </p:par>
+                              <p:par>
+                                <p:cTn id="19" presetID="1" presetClass="entr" presetSubtype="0" fill="hold" grpId="0" nodeType="withEffect">
+                                  <p:stCondLst>
+                                    <p:cond delay="0"/>
+                                  </p:stCondLst>
+                                  <p:childTnLst>
+                                    <p:set>
+                                      <p:cBhvr>
+                                        <p:cTn id="20" dur="1" fill="hold">
+                                          <p:stCondLst>
+                                            <p:cond delay="0"/>
+                                          </p:stCondLst>
+                                        </p:cTn>
+                                        <p:tgtEl>
+                                          <p:spTgt spid="125">
+                                            <p:txEl>
+                                              <p:pRg st="5" end="5"/>
+                                            </p:txEl>
+                                          </p:spTgt>
+                                        </p:tgtEl>
+                                        <p:attrNameLst>
+                                          <p:attrName>style.visibility</p:attrName>
+                                        </p:attrNameLst>
+                                      </p:cBhvr>
+                                      <p:to>
+                                        <p:strVal val="visible"/>
+                                      </p:to>
+                                    </p:set>
+                                  </p:childTnLst>
+                                </p:cTn>
+                              </p:par>
+                              <p:par>
+                                <p:cTn id="21" presetID="1" presetClass="entr" presetSubtype="0" fill="hold" grpId="0" nodeType="withEffect">
+                                  <p:stCondLst>
+                                    <p:cond delay="0"/>
+                                  </p:stCondLst>
+                                  <p:childTnLst>
+                                    <p:set>
+                                      <p:cBhvr>
+                                        <p:cTn id="22" dur="1" fill="hold">
+                                          <p:stCondLst>
+                                            <p:cond delay="0"/>
+                                          </p:stCondLst>
+                                        </p:cTn>
+                                        <p:tgtEl>
+                                          <p:spTgt spid="125">
+                                            <p:txEl>
+                                              <p:pRg st="6" end="6"/>
+                                            </p:txEl>
+                                          </p:spTgt>
+                                        </p:tgtEl>
+                                        <p:attrNameLst>
+                                          <p:attrName>style.visibility</p:attrName>
+                                        </p:attrNameLst>
+                                      </p:cBhvr>
+                                      <p:to>
+                                        <p:strVal val="visible"/>
+                                      </p:to>
+                                    </p:set>
+                                  </p:childTnLst>
+                                </p:cTn>
+                              </p:par>
+                            </p:childTnLst>
+                          </p:cTn>
+                        </p:par>
+                      </p:childTnLst>
+                    </p:cTn>
+                  </p:par>
+                  <p:par>
+                    <p:cTn id="23" fill="hold">
+                      <p:stCondLst>
+                        <p:cond delay="indefinite"/>
+                      </p:stCondLst>
+                      <p:childTnLst>
+                        <p:par>
+                          <p:cTn id="24" fill="hold">
+                            <p:stCondLst>
+                              <p:cond delay="0"/>
+                            </p:stCondLst>
+                            <p:childTnLst>
+                              <p:par>
+                                <p:cTn id="25" presetID="1" presetClass="entr" presetSubtype="0" fill="hold" grpId="0" nodeType="clickEffect">
+                                  <p:stCondLst>
+                                    <p:cond delay="0"/>
+                                  </p:stCondLst>
+                                  <p:childTnLst>
+                                    <p:set>
+                                      <p:cBhvr>
+                                        <p:cTn id="26" dur="1" fill="hold">
+                                          <p:stCondLst>
+                                            <p:cond delay="0"/>
+                                          </p:stCondLst>
+                                        </p:cTn>
+                                        <p:tgtEl>
+                                          <p:spTgt spid="125">
+                                            <p:txEl>
+                                              <p:pRg st="7" end="7"/>
+                                            </p:txEl>
+                                          </p:spTgt>
+                                        </p:tgtEl>
+                                        <p:attrNameLst>
+                                          <p:attrName>style.visibility</p:attrName>
+                                        </p:attrNameLst>
+                                      </p:cBhvr>
+                                      <p:to>
+                                        <p:strVal val="visible"/>
+                                      </p:to>
+                                    </p:set>
+                                  </p:childTnLst>
+                                </p:cTn>
+                              </p:par>
+                              <p:par>
+                                <p:cTn id="27" presetID="1" presetClass="entr" presetSubtype="0" fill="hold" grpId="0" nodeType="withEffect">
+                                  <p:stCondLst>
+                                    <p:cond delay="0"/>
+                                  </p:stCondLst>
+                                  <p:childTnLst>
+                                    <p:set>
+                                      <p:cBhvr>
+                                        <p:cTn id="28" dur="1" fill="hold">
+                                          <p:stCondLst>
+                                            <p:cond delay="0"/>
+                                          </p:stCondLst>
+                                        </p:cTn>
+                                        <p:tgtEl>
+                                          <p:spTgt spid="125">
+                                            <p:txEl>
+                                              <p:pRg st="8" end="8"/>
+                                            </p:txEl>
+                                          </p:spTgt>
+                                        </p:tgtEl>
+                                        <p:attrNameLst>
+                                          <p:attrName>style.visibility</p:attrName>
+                                        </p:attrNameLst>
+                                      </p:cBhvr>
+                                      <p:to>
+                                        <p:strVal val="visible"/>
+                                      </p:to>
+                                    </p:set>
+                                  </p:childTnLst>
+                                </p:cTn>
+                              </p:par>
+                            </p:childTnLst>
+                          </p:cTn>
+                        </p:par>
+                      </p:childTnLst>
+                    </p:cTn>
+                  </p:par>
+                </p:childTnLst>
+              </p:cTn>
+              <p:prevCondLst>
+                <p:cond evt="onPrev" delay="0">
+                  <p:tgtEl>
+                    <p:sldTgt/>
+                  </p:tgtEl>
+                </p:cond>
+              </p:prevCondLst>
+              <p:nextCondLst>
+                <p:cond evt="onNext" delay="0">
+                  <p:tgtEl>
+                    <p:sldTgt/>
+                  </p:tgtEl>
+                </p:cond>
+              </p:nextCondLst>
+            </p:seq>
+          </p:childTnLst>
+        </p:cTn>
+      </p:par>
+    </p:tnLst>
+    <p:bldLst>
+      <p:bldP spid="125" grpId="0" build="p"/>
+    </p:bldLst>
+  </p:timing>
 </p:sld>
 </file>
 
@@ -8780,6 +9566,217 @@
   <p:clrMapOvr>
     <a:masterClrMapping/>
   </p:clrMapOvr>
+  <p:timing>
+    <p:tnLst>
+      <p:par>
+        <p:cTn id="1" dur="indefinite" restart="never" nodeType="tmRoot">
+          <p:childTnLst>
+            <p:seq concurrent="1" nextAc="seek">
+              <p:cTn id="2" dur="indefinite" nodeType="mainSeq">
+                <p:childTnLst>
+                  <p:par>
+                    <p:cTn id="3" fill="hold">
+                      <p:stCondLst>
+                        <p:cond delay="indefinite"/>
+                      </p:stCondLst>
+                      <p:childTnLst>
+                        <p:par>
+                          <p:cTn id="4" fill="hold">
+                            <p:stCondLst>
+                              <p:cond delay="0"/>
+                            </p:stCondLst>
+                            <p:childTnLst>
+                              <p:par>
+                                <p:cTn id="5" presetID="1" presetClass="entr" presetSubtype="0" fill="hold" grpId="0" nodeType="clickEffect">
+                                  <p:stCondLst>
+                                    <p:cond delay="0"/>
+                                  </p:stCondLst>
+                                  <p:childTnLst>
+                                    <p:set>
+                                      <p:cBhvr>
+                                        <p:cTn id="6" dur="1" fill="hold">
+                                          <p:stCondLst>
+                                            <p:cond delay="0"/>
+                                          </p:stCondLst>
+                                        </p:cTn>
+                                        <p:tgtEl>
+                                          <p:spTgt spid="131">
+                                            <p:txEl>
+                                              <p:pRg st="0" end="0"/>
+                                            </p:txEl>
+                                          </p:spTgt>
+                                        </p:tgtEl>
+                                        <p:attrNameLst>
+                                          <p:attrName>style.visibility</p:attrName>
+                                        </p:attrNameLst>
+                                      </p:cBhvr>
+                                      <p:to>
+                                        <p:strVal val="visible"/>
+                                      </p:to>
+                                    </p:set>
+                                  </p:childTnLst>
+                                </p:cTn>
+                              </p:par>
+                            </p:childTnLst>
+                          </p:cTn>
+                        </p:par>
+                      </p:childTnLst>
+                    </p:cTn>
+                  </p:par>
+                  <p:par>
+                    <p:cTn id="7" fill="hold">
+                      <p:stCondLst>
+                        <p:cond delay="indefinite"/>
+                      </p:stCondLst>
+                      <p:childTnLst>
+                        <p:par>
+                          <p:cTn id="8" fill="hold">
+                            <p:stCondLst>
+                              <p:cond delay="0"/>
+                            </p:stCondLst>
+                            <p:childTnLst>
+                              <p:par>
+                                <p:cTn id="9" presetID="1" presetClass="entr" presetSubtype="0" fill="hold" grpId="0" nodeType="clickEffect">
+                                  <p:stCondLst>
+                                    <p:cond delay="0"/>
+                                  </p:stCondLst>
+                                  <p:childTnLst>
+                                    <p:set>
+                                      <p:cBhvr>
+                                        <p:cTn id="10" dur="1" fill="hold">
+                                          <p:stCondLst>
+                                            <p:cond delay="0"/>
+                                          </p:stCondLst>
+                                        </p:cTn>
+                                        <p:tgtEl>
+                                          <p:spTgt spid="131">
+                                            <p:txEl>
+                                              <p:pRg st="1" end="1"/>
+                                            </p:txEl>
+                                          </p:spTgt>
+                                        </p:tgtEl>
+                                        <p:attrNameLst>
+                                          <p:attrName>style.visibility</p:attrName>
+                                        </p:attrNameLst>
+                                      </p:cBhvr>
+                                      <p:to>
+                                        <p:strVal val="visible"/>
+                                      </p:to>
+                                    </p:set>
+                                  </p:childTnLst>
+                                </p:cTn>
+                              </p:par>
+                            </p:childTnLst>
+                          </p:cTn>
+                        </p:par>
+                      </p:childTnLst>
+                    </p:cTn>
+                  </p:par>
+                  <p:par>
+                    <p:cTn id="11" fill="hold">
+                      <p:stCondLst>
+                        <p:cond delay="indefinite"/>
+                      </p:stCondLst>
+                      <p:childTnLst>
+                        <p:par>
+                          <p:cTn id="12" fill="hold">
+                            <p:stCondLst>
+                              <p:cond delay="0"/>
+                            </p:stCondLst>
+                            <p:childTnLst>
+                              <p:par>
+                                <p:cTn id="13" presetID="1" presetClass="entr" presetSubtype="0" fill="hold" grpId="0" nodeType="clickEffect">
+                                  <p:stCondLst>
+                                    <p:cond delay="0"/>
+                                  </p:stCondLst>
+                                  <p:childTnLst>
+                                    <p:set>
+                                      <p:cBhvr>
+                                        <p:cTn id="14" dur="1" fill="hold">
+                                          <p:stCondLst>
+                                            <p:cond delay="0"/>
+                                          </p:stCondLst>
+                                        </p:cTn>
+                                        <p:tgtEl>
+                                          <p:spTgt spid="131">
+                                            <p:txEl>
+                                              <p:pRg st="2" end="2"/>
+                                            </p:txEl>
+                                          </p:spTgt>
+                                        </p:tgtEl>
+                                        <p:attrNameLst>
+                                          <p:attrName>style.visibility</p:attrName>
+                                        </p:attrNameLst>
+                                      </p:cBhvr>
+                                      <p:to>
+                                        <p:strVal val="visible"/>
+                                      </p:to>
+                                    </p:set>
+                                  </p:childTnLst>
+                                </p:cTn>
+                              </p:par>
+                              <p:par>
+                                <p:cTn id="15" presetID="1" presetClass="entr" presetSubtype="0" fill="hold" grpId="0" nodeType="withEffect">
+                                  <p:stCondLst>
+                                    <p:cond delay="0"/>
+                                  </p:stCondLst>
+                                  <p:childTnLst>
+                                    <p:set>
+                                      <p:cBhvr>
+                                        <p:cTn id="16" dur="1" fill="hold">
+                                          <p:stCondLst>
+                                            <p:cond delay="0"/>
+                                          </p:stCondLst>
+                                        </p:cTn>
+                                        <p:tgtEl>
+                                          <p:spTgt spid="131">
+                                            <p:txEl>
+                                              <p:pRg st="3" end="3"/>
+                                            </p:txEl>
+                                          </p:spTgt>
+                                        </p:tgtEl>
+                                        <p:attrNameLst>
+                                          <p:attrName>style.visibility</p:attrName>
+                                        </p:attrNameLst>
+                                      </p:cBhvr>
+                                      <p:to>
+                                        <p:strVal val="visible"/>
+                                      </p:to>
+                                    </p:set>
+                                  </p:childTnLst>
+                                </p:cTn>
+                              </p:par>
+                            </p:childTnLst>
+                          </p:cTn>
+                        </p:par>
+                      </p:childTnLst>
+                    </p:cTn>
+                  </p:par>
+                </p:childTnLst>
+              </p:cTn>
+              <p:prevCondLst>
+                <p:cond evt="onPrev" delay="0">
+                  <p:tgtEl>
+                    <p:sldTgt/>
+                  </p:tgtEl>
+                </p:cond>
+              </p:prevCondLst>
+              <p:nextCondLst>
+                <p:cond evt="onNext" delay="0">
+                  <p:tgtEl>
+                    <p:sldTgt/>
+                  </p:tgtEl>
+                </p:cond>
+              </p:nextCondLst>
+            </p:seq>
+          </p:childTnLst>
+        </p:cTn>
+      </p:par>
+    </p:tnLst>
+    <p:bldLst>
+      <p:bldP spid="131" grpId="0" build="p"/>
+    </p:bldLst>
+  </p:timing>
 </p:sld>
 </file>
 
@@ -9014,9 +10011,13 @@
             <a:r>
               <a:rPr lang="en-US" sz="1400" dirty="0">
                 <a:sym typeface="Wingdings" pitchFamily="2" charset="2"/>
+                <a:hlinkClick r:id="rId2"/>
               </a:rPr>
               <a:t>Available on the repo</a:t>
             </a:r>
+            <a:endParaRPr lang="en-US" sz="1400" dirty="0">
+              <a:sym typeface="Wingdings" pitchFamily="2" charset="2"/>
+            </a:endParaRPr>
           </a:p>
         </p:txBody>
       </p:sp>
@@ -9035,7 +10036,7 @@
           <p:nvPr/>
         </p:nvPicPr>
         <p:blipFill>
-          <a:blip r:embed="rId2"/>
+          <a:blip r:embed="rId3"/>
           <a:stretch>
             <a:fillRect/>
           </a:stretch>
@@ -9060,6 +10061,470 @@
   <p:clrMapOvr>
     <a:masterClrMapping/>
   </p:clrMapOvr>
+  <p:timing>
+    <p:tnLst>
+      <p:par>
+        <p:cTn id="1" dur="indefinite" restart="never" nodeType="tmRoot">
+          <p:childTnLst>
+            <p:seq concurrent="1" nextAc="seek">
+              <p:cTn id="2" dur="indefinite" nodeType="mainSeq">
+                <p:childTnLst>
+                  <p:par>
+                    <p:cTn id="3" fill="hold">
+                      <p:stCondLst>
+                        <p:cond delay="indefinite"/>
+                      </p:stCondLst>
+                      <p:childTnLst>
+                        <p:par>
+                          <p:cTn id="4" fill="hold">
+                            <p:stCondLst>
+                              <p:cond delay="0"/>
+                            </p:stCondLst>
+                            <p:childTnLst>
+                              <p:par>
+                                <p:cTn id="5" presetID="1" presetClass="entr" presetSubtype="0" fill="hold" grpId="0" nodeType="clickEffect">
+                                  <p:stCondLst>
+                                    <p:cond delay="0"/>
+                                  </p:stCondLst>
+                                  <p:childTnLst>
+                                    <p:set>
+                                      <p:cBhvr>
+                                        <p:cTn id="6" dur="1" fill="hold">
+                                          <p:stCondLst>
+                                            <p:cond delay="0"/>
+                                          </p:stCondLst>
+                                        </p:cTn>
+                                        <p:tgtEl>
+                                          <p:spTgt spid="3">
+                                            <p:txEl>
+                                              <p:pRg st="0" end="0"/>
+                                            </p:txEl>
+                                          </p:spTgt>
+                                        </p:tgtEl>
+                                        <p:attrNameLst>
+                                          <p:attrName>style.visibility</p:attrName>
+                                        </p:attrNameLst>
+                                      </p:cBhvr>
+                                      <p:to>
+                                        <p:strVal val="visible"/>
+                                      </p:to>
+                                    </p:set>
+                                  </p:childTnLst>
+                                </p:cTn>
+                              </p:par>
+                              <p:par>
+                                <p:cTn id="7" presetID="1" presetClass="entr" presetSubtype="0" fill="hold" grpId="0" nodeType="withEffect">
+                                  <p:stCondLst>
+                                    <p:cond delay="0"/>
+                                  </p:stCondLst>
+                                  <p:childTnLst>
+                                    <p:set>
+                                      <p:cBhvr>
+                                        <p:cTn id="8" dur="1" fill="hold">
+                                          <p:stCondLst>
+                                            <p:cond delay="0"/>
+                                          </p:stCondLst>
+                                        </p:cTn>
+                                        <p:tgtEl>
+                                          <p:spTgt spid="3">
+                                            <p:txEl>
+                                              <p:pRg st="1" end="1"/>
+                                            </p:txEl>
+                                          </p:spTgt>
+                                        </p:tgtEl>
+                                        <p:attrNameLst>
+                                          <p:attrName>style.visibility</p:attrName>
+                                        </p:attrNameLst>
+                                      </p:cBhvr>
+                                      <p:to>
+                                        <p:strVal val="visible"/>
+                                      </p:to>
+                                    </p:set>
+                                  </p:childTnLst>
+                                </p:cTn>
+                              </p:par>
+                              <p:par>
+                                <p:cTn id="9" presetID="1" presetClass="entr" presetSubtype="0" fill="hold" grpId="0" nodeType="withEffect">
+                                  <p:stCondLst>
+                                    <p:cond delay="0"/>
+                                  </p:stCondLst>
+                                  <p:childTnLst>
+                                    <p:set>
+                                      <p:cBhvr>
+                                        <p:cTn id="10" dur="1" fill="hold">
+                                          <p:stCondLst>
+                                            <p:cond delay="0"/>
+                                          </p:stCondLst>
+                                        </p:cTn>
+                                        <p:tgtEl>
+                                          <p:spTgt spid="3">
+                                            <p:txEl>
+                                              <p:pRg st="2" end="2"/>
+                                            </p:txEl>
+                                          </p:spTgt>
+                                        </p:tgtEl>
+                                        <p:attrNameLst>
+                                          <p:attrName>style.visibility</p:attrName>
+                                        </p:attrNameLst>
+                                      </p:cBhvr>
+                                      <p:to>
+                                        <p:strVal val="visible"/>
+                                      </p:to>
+                                    </p:set>
+                                  </p:childTnLst>
+                                </p:cTn>
+                              </p:par>
+                            </p:childTnLst>
+                          </p:cTn>
+                        </p:par>
+                      </p:childTnLst>
+                    </p:cTn>
+                  </p:par>
+                  <p:par>
+                    <p:cTn id="11" fill="hold">
+                      <p:stCondLst>
+                        <p:cond delay="indefinite"/>
+                      </p:stCondLst>
+                      <p:childTnLst>
+                        <p:par>
+                          <p:cTn id="12" fill="hold">
+                            <p:stCondLst>
+                              <p:cond delay="0"/>
+                            </p:stCondLst>
+                            <p:childTnLst>
+                              <p:par>
+                                <p:cTn id="13" presetID="1" presetClass="entr" presetSubtype="0" fill="hold" grpId="0" nodeType="clickEffect">
+                                  <p:stCondLst>
+                                    <p:cond delay="0"/>
+                                  </p:stCondLst>
+                                  <p:childTnLst>
+                                    <p:set>
+                                      <p:cBhvr>
+                                        <p:cTn id="14" dur="1" fill="hold">
+                                          <p:stCondLst>
+                                            <p:cond delay="0"/>
+                                          </p:stCondLst>
+                                        </p:cTn>
+                                        <p:tgtEl>
+                                          <p:spTgt spid="3">
+                                            <p:txEl>
+                                              <p:pRg st="3" end="3"/>
+                                            </p:txEl>
+                                          </p:spTgt>
+                                        </p:tgtEl>
+                                        <p:attrNameLst>
+                                          <p:attrName>style.visibility</p:attrName>
+                                        </p:attrNameLst>
+                                      </p:cBhvr>
+                                      <p:to>
+                                        <p:strVal val="visible"/>
+                                      </p:to>
+                                    </p:set>
+                                  </p:childTnLst>
+                                </p:cTn>
+                              </p:par>
+                              <p:par>
+                                <p:cTn id="15" presetID="1" presetClass="entr" presetSubtype="0" fill="hold" grpId="0" nodeType="withEffect">
+                                  <p:stCondLst>
+                                    <p:cond delay="0"/>
+                                  </p:stCondLst>
+                                  <p:childTnLst>
+                                    <p:set>
+                                      <p:cBhvr>
+                                        <p:cTn id="16" dur="1" fill="hold">
+                                          <p:stCondLst>
+                                            <p:cond delay="0"/>
+                                          </p:stCondLst>
+                                        </p:cTn>
+                                        <p:tgtEl>
+                                          <p:spTgt spid="3">
+                                            <p:txEl>
+                                              <p:pRg st="4" end="4"/>
+                                            </p:txEl>
+                                          </p:spTgt>
+                                        </p:tgtEl>
+                                        <p:attrNameLst>
+                                          <p:attrName>style.visibility</p:attrName>
+                                        </p:attrNameLst>
+                                      </p:cBhvr>
+                                      <p:to>
+                                        <p:strVal val="visible"/>
+                                      </p:to>
+                                    </p:set>
+                                  </p:childTnLst>
+                                </p:cTn>
+                              </p:par>
+                            </p:childTnLst>
+                          </p:cTn>
+                        </p:par>
+                      </p:childTnLst>
+                    </p:cTn>
+                  </p:par>
+                  <p:par>
+                    <p:cTn id="17" fill="hold">
+                      <p:stCondLst>
+                        <p:cond delay="indefinite"/>
+                      </p:stCondLst>
+                      <p:childTnLst>
+                        <p:par>
+                          <p:cTn id="18" fill="hold">
+                            <p:stCondLst>
+                              <p:cond delay="0"/>
+                            </p:stCondLst>
+                            <p:childTnLst>
+                              <p:par>
+                                <p:cTn id="19" presetID="1" presetClass="entr" presetSubtype="0" fill="hold" grpId="0" nodeType="clickEffect">
+                                  <p:stCondLst>
+                                    <p:cond delay="0"/>
+                                  </p:stCondLst>
+                                  <p:childTnLst>
+                                    <p:set>
+                                      <p:cBhvr>
+                                        <p:cTn id="20" dur="1" fill="hold">
+                                          <p:stCondLst>
+                                            <p:cond delay="0"/>
+                                          </p:stCondLst>
+                                        </p:cTn>
+                                        <p:tgtEl>
+                                          <p:spTgt spid="3">
+                                            <p:txEl>
+                                              <p:pRg st="5" end="5"/>
+                                            </p:txEl>
+                                          </p:spTgt>
+                                        </p:tgtEl>
+                                        <p:attrNameLst>
+                                          <p:attrName>style.visibility</p:attrName>
+                                        </p:attrNameLst>
+                                      </p:cBhvr>
+                                      <p:to>
+                                        <p:strVal val="visible"/>
+                                      </p:to>
+                                    </p:set>
+                                  </p:childTnLst>
+                                </p:cTn>
+                              </p:par>
+                            </p:childTnLst>
+                          </p:cTn>
+                        </p:par>
+                      </p:childTnLst>
+                    </p:cTn>
+                  </p:par>
+                  <p:par>
+                    <p:cTn id="21" fill="hold">
+                      <p:stCondLst>
+                        <p:cond delay="indefinite"/>
+                      </p:stCondLst>
+                      <p:childTnLst>
+                        <p:par>
+                          <p:cTn id="22" fill="hold">
+                            <p:stCondLst>
+                              <p:cond delay="0"/>
+                            </p:stCondLst>
+                            <p:childTnLst>
+                              <p:par>
+                                <p:cTn id="23" presetID="1" presetClass="entr" presetSubtype="0" fill="hold" grpId="0" nodeType="clickEffect">
+                                  <p:stCondLst>
+                                    <p:cond delay="0"/>
+                                  </p:stCondLst>
+                                  <p:childTnLst>
+                                    <p:set>
+                                      <p:cBhvr>
+                                        <p:cTn id="24" dur="1" fill="hold">
+                                          <p:stCondLst>
+                                            <p:cond delay="0"/>
+                                          </p:stCondLst>
+                                        </p:cTn>
+                                        <p:tgtEl>
+                                          <p:spTgt spid="3">
+                                            <p:txEl>
+                                              <p:pRg st="6" end="6"/>
+                                            </p:txEl>
+                                          </p:spTgt>
+                                        </p:tgtEl>
+                                        <p:attrNameLst>
+                                          <p:attrName>style.visibility</p:attrName>
+                                        </p:attrNameLst>
+                                      </p:cBhvr>
+                                      <p:to>
+                                        <p:strVal val="visible"/>
+                                      </p:to>
+                                    </p:set>
+                                  </p:childTnLst>
+                                </p:cTn>
+                              </p:par>
+                              <p:par>
+                                <p:cTn id="25" presetID="1" presetClass="entr" presetSubtype="0" fill="hold" grpId="0" nodeType="withEffect">
+                                  <p:stCondLst>
+                                    <p:cond delay="0"/>
+                                  </p:stCondLst>
+                                  <p:childTnLst>
+                                    <p:set>
+                                      <p:cBhvr>
+                                        <p:cTn id="26" dur="1" fill="hold">
+                                          <p:stCondLst>
+                                            <p:cond delay="0"/>
+                                          </p:stCondLst>
+                                        </p:cTn>
+                                        <p:tgtEl>
+                                          <p:spTgt spid="3">
+                                            <p:txEl>
+                                              <p:pRg st="7" end="7"/>
+                                            </p:txEl>
+                                          </p:spTgt>
+                                        </p:tgtEl>
+                                        <p:attrNameLst>
+                                          <p:attrName>style.visibility</p:attrName>
+                                        </p:attrNameLst>
+                                      </p:cBhvr>
+                                      <p:to>
+                                        <p:strVal val="visible"/>
+                                      </p:to>
+                                    </p:set>
+                                  </p:childTnLst>
+                                </p:cTn>
+                              </p:par>
+                              <p:par>
+                                <p:cTn id="27" presetID="1" presetClass="entr" presetSubtype="0" fill="hold" grpId="0" nodeType="withEffect">
+                                  <p:stCondLst>
+                                    <p:cond delay="0"/>
+                                  </p:stCondLst>
+                                  <p:childTnLst>
+                                    <p:set>
+                                      <p:cBhvr>
+                                        <p:cTn id="28" dur="1" fill="hold">
+                                          <p:stCondLst>
+                                            <p:cond delay="0"/>
+                                          </p:stCondLst>
+                                        </p:cTn>
+                                        <p:tgtEl>
+                                          <p:spTgt spid="3">
+                                            <p:txEl>
+                                              <p:pRg st="8" end="8"/>
+                                            </p:txEl>
+                                          </p:spTgt>
+                                        </p:tgtEl>
+                                        <p:attrNameLst>
+                                          <p:attrName>style.visibility</p:attrName>
+                                        </p:attrNameLst>
+                                      </p:cBhvr>
+                                      <p:to>
+                                        <p:strVal val="visible"/>
+                                      </p:to>
+                                    </p:set>
+                                  </p:childTnLst>
+                                </p:cTn>
+                              </p:par>
+                            </p:childTnLst>
+                          </p:cTn>
+                        </p:par>
+                      </p:childTnLst>
+                    </p:cTn>
+                  </p:par>
+                  <p:par>
+                    <p:cTn id="29" fill="hold">
+                      <p:stCondLst>
+                        <p:cond delay="indefinite"/>
+                      </p:stCondLst>
+                      <p:childTnLst>
+                        <p:par>
+                          <p:cTn id="30" fill="hold">
+                            <p:stCondLst>
+                              <p:cond delay="0"/>
+                            </p:stCondLst>
+                            <p:childTnLst>
+                              <p:par>
+                                <p:cTn id="31" presetID="1" presetClass="entr" presetSubtype="0" fill="hold" grpId="0" nodeType="clickEffect">
+                                  <p:stCondLst>
+                                    <p:cond delay="0"/>
+                                  </p:stCondLst>
+                                  <p:childTnLst>
+                                    <p:set>
+                                      <p:cBhvr>
+                                        <p:cTn id="32" dur="1" fill="hold">
+                                          <p:stCondLst>
+                                            <p:cond delay="0"/>
+                                          </p:stCondLst>
+                                        </p:cTn>
+                                        <p:tgtEl>
+                                          <p:spTgt spid="3">
+                                            <p:txEl>
+                                              <p:pRg st="9" end="9"/>
+                                            </p:txEl>
+                                          </p:spTgt>
+                                        </p:tgtEl>
+                                        <p:attrNameLst>
+                                          <p:attrName>style.visibility</p:attrName>
+                                        </p:attrNameLst>
+                                      </p:cBhvr>
+                                      <p:to>
+                                        <p:strVal val="visible"/>
+                                      </p:to>
+                                    </p:set>
+                                  </p:childTnLst>
+                                </p:cTn>
+                              </p:par>
+                              <p:par>
+                                <p:cTn id="33" presetID="1" presetClass="entr" presetSubtype="0" fill="hold" grpId="0" nodeType="withEffect">
+                                  <p:stCondLst>
+                                    <p:cond delay="0"/>
+                                  </p:stCondLst>
+                                  <p:childTnLst>
+                                    <p:set>
+                                      <p:cBhvr>
+                                        <p:cTn id="34" dur="1" fill="hold">
+                                          <p:stCondLst>
+                                            <p:cond delay="0"/>
+                                          </p:stCondLst>
+                                        </p:cTn>
+                                        <p:tgtEl>
+                                          <p:spTgt spid="3">
+                                            <p:txEl>
+                                              <p:pRg st="10" end="10"/>
+                                            </p:txEl>
+                                          </p:spTgt>
+                                        </p:tgtEl>
+                                        <p:attrNameLst>
+                                          <p:attrName>style.visibility</p:attrName>
+                                        </p:attrNameLst>
+                                      </p:cBhvr>
+                                      <p:to>
+                                        <p:strVal val="visible"/>
+                                      </p:to>
+                                    </p:set>
+                                  </p:childTnLst>
+                                </p:cTn>
+                              </p:par>
+                            </p:childTnLst>
+                          </p:cTn>
+                        </p:par>
+                      </p:childTnLst>
+                    </p:cTn>
+                  </p:par>
+                </p:childTnLst>
+              </p:cTn>
+              <p:prevCondLst>
+                <p:cond evt="onPrev" delay="0">
+                  <p:tgtEl>
+                    <p:sldTgt/>
+                  </p:tgtEl>
+                </p:cond>
+              </p:prevCondLst>
+              <p:nextCondLst>
+                <p:cond evt="onNext" delay="0">
+                  <p:tgtEl>
+                    <p:sldTgt/>
+                  </p:tgtEl>
+                </p:cond>
+              </p:nextCondLst>
+            </p:seq>
+          </p:childTnLst>
+        </p:cTn>
+      </p:par>
+    </p:tnLst>
+    <p:bldLst>
+      <p:bldP spid="3" grpId="0" build="p"/>
+    </p:bldLst>
+  </p:timing>
 </p:sld>
 </file>
 
@@ -9310,14 +10775,7 @@
             <a:pPr lvl="1"/>
             <a:r>
               <a:rPr lang="en-US" sz="1600" dirty="0"/>
-              <a:t>Immediate feedback to ensure everything works</a:t>
-            </a:r>
-          </a:p>
-          <a:p>
-            <a:pPr lvl="1"/>
-            <a:r>
-              <a:rPr lang="en-US" sz="1600" dirty="0"/>
-              <a:t>Test speed</a:t>
+              <a:t>Test speed and make sure everything works</a:t>
             </a:r>
           </a:p>
           <a:p>
@@ -9768,6 +11226,599 @@
   <p:clrMapOvr>
     <a:masterClrMapping/>
   </p:clrMapOvr>
+  <p:timing>
+    <p:tnLst>
+      <p:par>
+        <p:cTn id="1" dur="indefinite" restart="never" nodeType="tmRoot">
+          <p:childTnLst>
+            <p:seq concurrent="1" nextAc="seek">
+              <p:cTn id="2" dur="indefinite" nodeType="mainSeq">
+                <p:childTnLst>
+                  <p:par>
+                    <p:cTn id="3" fill="hold">
+                      <p:stCondLst>
+                        <p:cond delay="indefinite"/>
+                      </p:stCondLst>
+                      <p:childTnLst>
+                        <p:par>
+                          <p:cTn id="4" fill="hold">
+                            <p:stCondLst>
+                              <p:cond delay="0"/>
+                            </p:stCondLst>
+                            <p:childTnLst>
+                              <p:par>
+                                <p:cTn id="5" presetID="1" presetClass="entr" presetSubtype="0" fill="hold" nodeType="clickEffect">
+                                  <p:stCondLst>
+                                    <p:cond delay="0"/>
+                                  </p:stCondLst>
+                                  <p:childTnLst>
+                                    <p:set>
+                                      <p:cBhvr>
+                                        <p:cTn id="6" dur="1" fill="hold">
+                                          <p:stCondLst>
+                                            <p:cond delay="0"/>
+                                          </p:stCondLst>
+                                        </p:cTn>
+                                        <p:tgtEl>
+                                          <p:spTgt spid="1026"/>
+                                        </p:tgtEl>
+                                        <p:attrNameLst>
+                                          <p:attrName>style.visibility</p:attrName>
+                                        </p:attrNameLst>
+                                      </p:cBhvr>
+                                      <p:to>
+                                        <p:strVal val="visible"/>
+                                      </p:to>
+                                    </p:set>
+                                  </p:childTnLst>
+                                </p:cTn>
+                              </p:par>
+                            </p:childTnLst>
+                          </p:cTn>
+                        </p:par>
+                      </p:childTnLst>
+                    </p:cTn>
+                  </p:par>
+                  <p:par>
+                    <p:cTn id="7" fill="hold">
+                      <p:stCondLst>
+                        <p:cond delay="indefinite"/>
+                      </p:stCondLst>
+                      <p:childTnLst>
+                        <p:par>
+                          <p:cTn id="8" fill="hold">
+                            <p:stCondLst>
+                              <p:cond delay="0"/>
+                            </p:stCondLst>
+                            <p:childTnLst>
+                              <p:par>
+                                <p:cTn id="9" presetID="1" presetClass="entr" presetSubtype="0" fill="hold" grpId="0" nodeType="clickEffect">
+                                  <p:stCondLst>
+                                    <p:cond delay="0"/>
+                                  </p:stCondLst>
+                                  <p:childTnLst>
+                                    <p:set>
+                                      <p:cBhvr>
+                                        <p:cTn id="10" dur="1" fill="hold">
+                                          <p:stCondLst>
+                                            <p:cond delay="0"/>
+                                          </p:stCondLst>
+                                        </p:cTn>
+                                        <p:tgtEl>
+                                          <p:spTgt spid="3">
+                                            <p:txEl>
+                                              <p:pRg st="0" end="0"/>
+                                            </p:txEl>
+                                          </p:spTgt>
+                                        </p:tgtEl>
+                                        <p:attrNameLst>
+                                          <p:attrName>style.visibility</p:attrName>
+                                        </p:attrNameLst>
+                                      </p:cBhvr>
+                                      <p:to>
+                                        <p:strVal val="visible"/>
+                                      </p:to>
+                                    </p:set>
+                                  </p:childTnLst>
+                                </p:cTn>
+                              </p:par>
+                              <p:par>
+                                <p:cTn id="11" presetID="1" presetClass="entr" presetSubtype="0" fill="hold" grpId="0" nodeType="withEffect">
+                                  <p:stCondLst>
+                                    <p:cond delay="0"/>
+                                  </p:stCondLst>
+                                  <p:childTnLst>
+                                    <p:set>
+                                      <p:cBhvr>
+                                        <p:cTn id="12" dur="1" fill="hold">
+                                          <p:stCondLst>
+                                            <p:cond delay="0"/>
+                                          </p:stCondLst>
+                                        </p:cTn>
+                                        <p:tgtEl>
+                                          <p:spTgt spid="3">
+                                            <p:txEl>
+                                              <p:pRg st="1" end="1"/>
+                                            </p:txEl>
+                                          </p:spTgt>
+                                        </p:tgtEl>
+                                        <p:attrNameLst>
+                                          <p:attrName>style.visibility</p:attrName>
+                                        </p:attrNameLst>
+                                      </p:cBhvr>
+                                      <p:to>
+                                        <p:strVal val="visible"/>
+                                      </p:to>
+                                    </p:set>
+                                  </p:childTnLst>
+                                </p:cTn>
+                              </p:par>
+                            </p:childTnLst>
+                          </p:cTn>
+                        </p:par>
+                      </p:childTnLst>
+                    </p:cTn>
+                  </p:par>
+                  <p:par>
+                    <p:cTn id="13" fill="hold">
+                      <p:stCondLst>
+                        <p:cond delay="indefinite"/>
+                      </p:stCondLst>
+                      <p:childTnLst>
+                        <p:par>
+                          <p:cTn id="14" fill="hold">
+                            <p:stCondLst>
+                              <p:cond delay="0"/>
+                            </p:stCondLst>
+                            <p:childTnLst>
+                              <p:par>
+                                <p:cTn id="15" presetID="1" presetClass="entr" presetSubtype="0" fill="hold" nodeType="clickEffect">
+                                  <p:stCondLst>
+                                    <p:cond delay="0"/>
+                                  </p:stCondLst>
+                                  <p:childTnLst>
+                                    <p:set>
+                                      <p:cBhvr>
+                                        <p:cTn id="16" dur="1" fill="hold">
+                                          <p:stCondLst>
+                                            <p:cond delay="0"/>
+                                          </p:stCondLst>
+                                        </p:cTn>
+                                        <p:tgtEl>
+                                          <p:spTgt spid="6"/>
+                                        </p:tgtEl>
+                                        <p:attrNameLst>
+                                          <p:attrName>style.visibility</p:attrName>
+                                        </p:attrNameLst>
+                                      </p:cBhvr>
+                                      <p:to>
+                                        <p:strVal val="visible"/>
+                                      </p:to>
+                                    </p:set>
+                                  </p:childTnLst>
+                                </p:cTn>
+                              </p:par>
+                              <p:par>
+                                <p:cTn id="17" presetID="1" presetClass="entr" presetSubtype="0" fill="hold" nodeType="withEffect">
+                                  <p:stCondLst>
+                                    <p:cond delay="0"/>
+                                  </p:stCondLst>
+                                  <p:childTnLst>
+                                    <p:set>
+                                      <p:cBhvr>
+                                        <p:cTn id="18" dur="1" fill="hold">
+                                          <p:stCondLst>
+                                            <p:cond delay="0"/>
+                                          </p:stCondLst>
+                                        </p:cTn>
+                                        <p:tgtEl>
+                                          <p:spTgt spid="1028"/>
+                                        </p:tgtEl>
+                                        <p:attrNameLst>
+                                          <p:attrName>style.visibility</p:attrName>
+                                        </p:attrNameLst>
+                                      </p:cBhvr>
+                                      <p:to>
+                                        <p:strVal val="visible"/>
+                                      </p:to>
+                                    </p:set>
+                                  </p:childTnLst>
+                                </p:cTn>
+                              </p:par>
+                            </p:childTnLst>
+                          </p:cTn>
+                        </p:par>
+                      </p:childTnLst>
+                    </p:cTn>
+                  </p:par>
+                  <p:par>
+                    <p:cTn id="19" fill="hold">
+                      <p:stCondLst>
+                        <p:cond delay="indefinite"/>
+                      </p:stCondLst>
+                      <p:childTnLst>
+                        <p:par>
+                          <p:cTn id="20" fill="hold">
+                            <p:stCondLst>
+                              <p:cond delay="0"/>
+                            </p:stCondLst>
+                            <p:childTnLst>
+                              <p:par>
+                                <p:cTn id="21" presetID="1" presetClass="entr" presetSubtype="0" fill="hold" grpId="0" nodeType="clickEffect">
+                                  <p:stCondLst>
+                                    <p:cond delay="0"/>
+                                  </p:stCondLst>
+                                  <p:childTnLst>
+                                    <p:set>
+                                      <p:cBhvr>
+                                        <p:cTn id="22" dur="1" fill="hold">
+                                          <p:stCondLst>
+                                            <p:cond delay="0"/>
+                                          </p:stCondLst>
+                                        </p:cTn>
+                                        <p:tgtEl>
+                                          <p:spTgt spid="3">
+                                            <p:txEl>
+                                              <p:pRg st="2" end="2"/>
+                                            </p:txEl>
+                                          </p:spTgt>
+                                        </p:tgtEl>
+                                        <p:attrNameLst>
+                                          <p:attrName>style.visibility</p:attrName>
+                                        </p:attrNameLst>
+                                      </p:cBhvr>
+                                      <p:to>
+                                        <p:strVal val="visible"/>
+                                      </p:to>
+                                    </p:set>
+                                  </p:childTnLst>
+                                </p:cTn>
+                              </p:par>
+                            </p:childTnLst>
+                          </p:cTn>
+                        </p:par>
+                      </p:childTnLst>
+                    </p:cTn>
+                  </p:par>
+                  <p:par>
+                    <p:cTn id="23" fill="hold">
+                      <p:stCondLst>
+                        <p:cond delay="indefinite"/>
+                      </p:stCondLst>
+                      <p:childTnLst>
+                        <p:par>
+                          <p:cTn id="24" fill="hold">
+                            <p:stCondLst>
+                              <p:cond delay="0"/>
+                            </p:stCondLst>
+                            <p:childTnLst>
+                              <p:par>
+                                <p:cTn id="25" presetID="1" presetClass="entr" presetSubtype="0" fill="hold" nodeType="clickEffect">
+                                  <p:stCondLst>
+                                    <p:cond delay="0"/>
+                                  </p:stCondLst>
+                                  <p:childTnLst>
+                                    <p:set>
+                                      <p:cBhvr>
+                                        <p:cTn id="26" dur="1" fill="hold">
+                                          <p:stCondLst>
+                                            <p:cond delay="0"/>
+                                          </p:stCondLst>
+                                        </p:cTn>
+                                        <p:tgtEl>
+                                          <p:spTgt spid="7"/>
+                                        </p:tgtEl>
+                                        <p:attrNameLst>
+                                          <p:attrName>style.visibility</p:attrName>
+                                        </p:attrNameLst>
+                                      </p:cBhvr>
+                                      <p:to>
+                                        <p:strVal val="visible"/>
+                                      </p:to>
+                                    </p:set>
+                                  </p:childTnLst>
+                                </p:cTn>
+                              </p:par>
+                              <p:par>
+                                <p:cTn id="27" presetID="1" presetClass="entr" presetSubtype="0" fill="hold" nodeType="withEffect">
+                                  <p:stCondLst>
+                                    <p:cond delay="0"/>
+                                  </p:stCondLst>
+                                  <p:childTnLst>
+                                    <p:set>
+                                      <p:cBhvr>
+                                        <p:cTn id="28" dur="1" fill="hold">
+                                          <p:stCondLst>
+                                            <p:cond delay="0"/>
+                                          </p:stCondLst>
+                                        </p:cTn>
+                                        <p:tgtEl>
+                                          <p:spTgt spid="1030"/>
+                                        </p:tgtEl>
+                                        <p:attrNameLst>
+                                          <p:attrName>style.visibility</p:attrName>
+                                        </p:attrNameLst>
+                                      </p:cBhvr>
+                                      <p:to>
+                                        <p:strVal val="visible"/>
+                                      </p:to>
+                                    </p:set>
+                                  </p:childTnLst>
+                                </p:cTn>
+                              </p:par>
+                            </p:childTnLst>
+                          </p:cTn>
+                        </p:par>
+                      </p:childTnLst>
+                    </p:cTn>
+                  </p:par>
+                  <p:par>
+                    <p:cTn id="29" fill="hold">
+                      <p:stCondLst>
+                        <p:cond delay="indefinite"/>
+                      </p:stCondLst>
+                      <p:childTnLst>
+                        <p:par>
+                          <p:cTn id="30" fill="hold">
+                            <p:stCondLst>
+                              <p:cond delay="0"/>
+                            </p:stCondLst>
+                            <p:childTnLst>
+                              <p:par>
+                                <p:cTn id="31" presetID="1" presetClass="entr" presetSubtype="0" fill="hold" grpId="0" nodeType="clickEffect">
+                                  <p:stCondLst>
+                                    <p:cond delay="0"/>
+                                  </p:stCondLst>
+                                  <p:childTnLst>
+                                    <p:set>
+                                      <p:cBhvr>
+                                        <p:cTn id="32" dur="1" fill="hold">
+                                          <p:stCondLst>
+                                            <p:cond delay="0"/>
+                                          </p:stCondLst>
+                                        </p:cTn>
+                                        <p:tgtEl>
+                                          <p:spTgt spid="3">
+                                            <p:txEl>
+                                              <p:pRg st="3" end="3"/>
+                                            </p:txEl>
+                                          </p:spTgt>
+                                        </p:tgtEl>
+                                        <p:attrNameLst>
+                                          <p:attrName>style.visibility</p:attrName>
+                                        </p:attrNameLst>
+                                      </p:cBhvr>
+                                      <p:to>
+                                        <p:strVal val="visible"/>
+                                      </p:to>
+                                    </p:set>
+                                  </p:childTnLst>
+                                </p:cTn>
+                              </p:par>
+                            </p:childTnLst>
+                          </p:cTn>
+                        </p:par>
+                      </p:childTnLst>
+                    </p:cTn>
+                  </p:par>
+                  <p:par>
+                    <p:cTn id="33" fill="hold">
+                      <p:stCondLst>
+                        <p:cond delay="indefinite"/>
+                      </p:stCondLst>
+                      <p:childTnLst>
+                        <p:par>
+                          <p:cTn id="34" fill="hold">
+                            <p:stCondLst>
+                              <p:cond delay="0"/>
+                            </p:stCondLst>
+                            <p:childTnLst>
+                              <p:par>
+                                <p:cTn id="35" presetID="1" presetClass="entr" presetSubtype="0" fill="hold" nodeType="clickEffect">
+                                  <p:stCondLst>
+                                    <p:cond delay="0"/>
+                                  </p:stCondLst>
+                                  <p:childTnLst>
+                                    <p:set>
+                                      <p:cBhvr>
+                                        <p:cTn id="36" dur="1" fill="hold">
+                                          <p:stCondLst>
+                                            <p:cond delay="0"/>
+                                          </p:stCondLst>
+                                        </p:cTn>
+                                        <p:tgtEl>
+                                          <p:spTgt spid="13"/>
+                                        </p:tgtEl>
+                                        <p:attrNameLst>
+                                          <p:attrName>style.visibility</p:attrName>
+                                        </p:attrNameLst>
+                                      </p:cBhvr>
+                                      <p:to>
+                                        <p:strVal val="visible"/>
+                                      </p:to>
+                                    </p:set>
+                                  </p:childTnLst>
+                                </p:cTn>
+                              </p:par>
+                              <p:par>
+                                <p:cTn id="37" presetID="1" presetClass="entr" presetSubtype="0" fill="hold" nodeType="withEffect">
+                                  <p:stCondLst>
+                                    <p:cond delay="0"/>
+                                  </p:stCondLst>
+                                  <p:childTnLst>
+                                    <p:set>
+                                      <p:cBhvr>
+                                        <p:cTn id="38" dur="1" fill="hold">
+                                          <p:stCondLst>
+                                            <p:cond delay="0"/>
+                                          </p:stCondLst>
+                                        </p:cTn>
+                                        <p:tgtEl>
+                                          <p:spTgt spid="1036"/>
+                                        </p:tgtEl>
+                                        <p:attrNameLst>
+                                          <p:attrName>style.visibility</p:attrName>
+                                        </p:attrNameLst>
+                                      </p:cBhvr>
+                                      <p:to>
+                                        <p:strVal val="visible"/>
+                                      </p:to>
+                                    </p:set>
+                                  </p:childTnLst>
+                                </p:cTn>
+                              </p:par>
+                            </p:childTnLst>
+                          </p:cTn>
+                        </p:par>
+                      </p:childTnLst>
+                    </p:cTn>
+                  </p:par>
+                  <p:par>
+                    <p:cTn id="39" fill="hold">
+                      <p:stCondLst>
+                        <p:cond delay="indefinite"/>
+                      </p:stCondLst>
+                      <p:childTnLst>
+                        <p:par>
+                          <p:cTn id="40" fill="hold">
+                            <p:stCondLst>
+                              <p:cond delay="0"/>
+                            </p:stCondLst>
+                            <p:childTnLst>
+                              <p:par>
+                                <p:cTn id="41" presetID="1" presetClass="entr" presetSubtype="0" fill="hold" nodeType="clickEffect">
+                                  <p:stCondLst>
+                                    <p:cond delay="0"/>
+                                  </p:stCondLst>
+                                  <p:childTnLst>
+                                    <p:set>
+                                      <p:cBhvr>
+                                        <p:cTn id="42" dur="1" fill="hold">
+                                          <p:stCondLst>
+                                            <p:cond delay="0"/>
+                                          </p:stCondLst>
+                                        </p:cTn>
+                                        <p:tgtEl>
+                                          <p:spTgt spid="1032"/>
+                                        </p:tgtEl>
+                                        <p:attrNameLst>
+                                          <p:attrName>style.visibility</p:attrName>
+                                        </p:attrNameLst>
+                                      </p:cBhvr>
+                                      <p:to>
+                                        <p:strVal val="visible"/>
+                                      </p:to>
+                                    </p:set>
+                                  </p:childTnLst>
+                                </p:cTn>
+                              </p:par>
+                              <p:par>
+                                <p:cTn id="43" presetID="1" presetClass="entr" presetSubtype="0" fill="hold" nodeType="withEffect">
+                                  <p:stCondLst>
+                                    <p:cond delay="0"/>
+                                  </p:stCondLst>
+                                  <p:childTnLst>
+                                    <p:set>
+                                      <p:cBhvr>
+                                        <p:cTn id="44" dur="1" fill="hold">
+                                          <p:stCondLst>
+                                            <p:cond delay="0"/>
+                                          </p:stCondLst>
+                                        </p:cTn>
+                                        <p:tgtEl>
+                                          <p:spTgt spid="10"/>
+                                        </p:tgtEl>
+                                        <p:attrNameLst>
+                                          <p:attrName>style.visibility</p:attrName>
+                                        </p:attrNameLst>
+                                      </p:cBhvr>
+                                      <p:to>
+                                        <p:strVal val="visible"/>
+                                      </p:to>
+                                    </p:set>
+                                  </p:childTnLst>
+                                </p:cTn>
+                              </p:par>
+                            </p:childTnLst>
+                          </p:cTn>
+                        </p:par>
+                      </p:childTnLst>
+                    </p:cTn>
+                  </p:par>
+                  <p:par>
+                    <p:cTn id="45" fill="hold">
+                      <p:stCondLst>
+                        <p:cond delay="indefinite"/>
+                      </p:stCondLst>
+                      <p:childTnLst>
+                        <p:par>
+                          <p:cTn id="46" fill="hold">
+                            <p:stCondLst>
+                              <p:cond delay="0"/>
+                            </p:stCondLst>
+                            <p:childTnLst>
+                              <p:par>
+                                <p:cTn id="47" presetID="1" presetClass="entr" presetSubtype="0" fill="hold" grpId="0" nodeType="clickEffect">
+                                  <p:stCondLst>
+                                    <p:cond delay="0"/>
+                                  </p:stCondLst>
+                                  <p:childTnLst>
+                                    <p:set>
+                                      <p:cBhvr>
+                                        <p:cTn id="48" dur="1" fill="hold">
+                                          <p:stCondLst>
+                                            <p:cond delay="0"/>
+                                          </p:stCondLst>
+                                        </p:cTn>
+                                        <p:tgtEl>
+                                          <p:spTgt spid="3">
+                                            <p:txEl>
+                                              <p:pRg st="4" end="4"/>
+                                            </p:txEl>
+                                          </p:spTgt>
+                                        </p:tgtEl>
+                                        <p:attrNameLst>
+                                          <p:attrName>style.visibility</p:attrName>
+                                        </p:attrNameLst>
+                                      </p:cBhvr>
+                                      <p:to>
+                                        <p:strVal val="visible"/>
+                                      </p:to>
+                                    </p:set>
+                                  </p:childTnLst>
+                                </p:cTn>
+                              </p:par>
+                            </p:childTnLst>
+                          </p:cTn>
+                        </p:par>
+                      </p:childTnLst>
+                    </p:cTn>
+                  </p:par>
+                </p:childTnLst>
+              </p:cTn>
+              <p:prevCondLst>
+                <p:cond evt="onPrev" delay="0">
+                  <p:tgtEl>
+                    <p:sldTgt/>
+                  </p:tgtEl>
+                </p:cond>
+              </p:prevCondLst>
+              <p:nextCondLst>
+                <p:cond evt="onNext" delay="0">
+                  <p:tgtEl>
+                    <p:sldTgt/>
+                  </p:tgtEl>
+                </p:cond>
+              </p:nextCondLst>
+            </p:seq>
+          </p:childTnLst>
+        </p:cTn>
+      </p:par>
+    </p:tnLst>
+    <p:bldLst>
+      <p:bldP spid="3" grpId="0" uiExpand="1" build="p"/>
+    </p:bldLst>
+  </p:timing>
 </p:sld>
 </file>
 
@@ -9892,13 +11943,18 @@
           </a:p>
           <a:p>
             <a:r>
-              <a:rPr lang="en-US" dirty="0" err="1"/>
+              <a:rPr lang="en-US" dirty="0" err="1">
+                <a:hlinkClick r:id="rId2"/>
+              </a:rPr>
               <a:t>Jupyter</a:t>
             </a:r>
             <a:r>
-              <a:rPr lang="en-US" dirty="0"/>
+              <a:rPr lang="en-US" dirty="0">
+                <a:hlinkClick r:id="rId2"/>
+              </a:rPr>
               <a:t> Notebook examples on GitHub repo</a:t>
             </a:r>
+            <a:endParaRPr lang="en-US" dirty="0"/>
           </a:p>
         </p:txBody>
       </p:sp>
@@ -9912,6 +11968,346 @@
   <p:clrMapOvr>
     <a:masterClrMapping/>
   </p:clrMapOvr>
+  <p:timing>
+    <p:tnLst>
+      <p:par>
+        <p:cTn id="1" dur="indefinite" restart="never" nodeType="tmRoot">
+          <p:childTnLst>
+            <p:seq concurrent="1" nextAc="seek">
+              <p:cTn id="2" dur="indefinite" nodeType="mainSeq">
+                <p:childTnLst>
+                  <p:par>
+                    <p:cTn id="3" fill="hold">
+                      <p:stCondLst>
+                        <p:cond delay="indefinite"/>
+                      </p:stCondLst>
+                      <p:childTnLst>
+                        <p:par>
+                          <p:cTn id="4" fill="hold">
+                            <p:stCondLst>
+                              <p:cond delay="0"/>
+                            </p:stCondLst>
+                            <p:childTnLst>
+                              <p:par>
+                                <p:cTn id="5" presetID="1" presetClass="entr" presetSubtype="0" fill="hold" grpId="0" nodeType="clickEffect">
+                                  <p:stCondLst>
+                                    <p:cond delay="0"/>
+                                  </p:stCondLst>
+                                  <p:childTnLst>
+                                    <p:set>
+                                      <p:cBhvr>
+                                        <p:cTn id="6" dur="1" fill="hold">
+                                          <p:stCondLst>
+                                            <p:cond delay="0"/>
+                                          </p:stCondLst>
+                                        </p:cTn>
+                                        <p:tgtEl>
+                                          <p:spTgt spid="3">
+                                            <p:txEl>
+                                              <p:pRg st="0" end="0"/>
+                                            </p:txEl>
+                                          </p:spTgt>
+                                        </p:tgtEl>
+                                        <p:attrNameLst>
+                                          <p:attrName>style.visibility</p:attrName>
+                                        </p:attrNameLst>
+                                      </p:cBhvr>
+                                      <p:to>
+                                        <p:strVal val="visible"/>
+                                      </p:to>
+                                    </p:set>
+                                  </p:childTnLst>
+                                </p:cTn>
+                              </p:par>
+                            </p:childTnLst>
+                          </p:cTn>
+                        </p:par>
+                      </p:childTnLst>
+                    </p:cTn>
+                  </p:par>
+                  <p:par>
+                    <p:cTn id="7" fill="hold">
+                      <p:stCondLst>
+                        <p:cond delay="indefinite"/>
+                      </p:stCondLst>
+                      <p:childTnLst>
+                        <p:par>
+                          <p:cTn id="8" fill="hold">
+                            <p:stCondLst>
+                              <p:cond delay="0"/>
+                            </p:stCondLst>
+                            <p:childTnLst>
+                              <p:par>
+                                <p:cTn id="9" presetID="1" presetClass="entr" presetSubtype="0" fill="hold" grpId="0" nodeType="clickEffect">
+                                  <p:stCondLst>
+                                    <p:cond delay="0"/>
+                                  </p:stCondLst>
+                                  <p:childTnLst>
+                                    <p:set>
+                                      <p:cBhvr>
+                                        <p:cTn id="10" dur="1" fill="hold">
+                                          <p:stCondLst>
+                                            <p:cond delay="0"/>
+                                          </p:stCondLst>
+                                        </p:cTn>
+                                        <p:tgtEl>
+                                          <p:spTgt spid="3">
+                                            <p:txEl>
+                                              <p:pRg st="1" end="1"/>
+                                            </p:txEl>
+                                          </p:spTgt>
+                                        </p:tgtEl>
+                                        <p:attrNameLst>
+                                          <p:attrName>style.visibility</p:attrName>
+                                        </p:attrNameLst>
+                                      </p:cBhvr>
+                                      <p:to>
+                                        <p:strVal val="visible"/>
+                                      </p:to>
+                                    </p:set>
+                                  </p:childTnLst>
+                                </p:cTn>
+                              </p:par>
+                              <p:par>
+                                <p:cTn id="11" presetID="1" presetClass="entr" presetSubtype="0" fill="hold" grpId="0" nodeType="withEffect">
+                                  <p:stCondLst>
+                                    <p:cond delay="0"/>
+                                  </p:stCondLst>
+                                  <p:childTnLst>
+                                    <p:set>
+                                      <p:cBhvr>
+                                        <p:cTn id="12" dur="1" fill="hold">
+                                          <p:stCondLst>
+                                            <p:cond delay="0"/>
+                                          </p:stCondLst>
+                                        </p:cTn>
+                                        <p:tgtEl>
+                                          <p:spTgt spid="3">
+                                            <p:txEl>
+                                              <p:pRg st="2" end="2"/>
+                                            </p:txEl>
+                                          </p:spTgt>
+                                        </p:tgtEl>
+                                        <p:attrNameLst>
+                                          <p:attrName>style.visibility</p:attrName>
+                                        </p:attrNameLst>
+                                      </p:cBhvr>
+                                      <p:to>
+                                        <p:strVal val="visible"/>
+                                      </p:to>
+                                    </p:set>
+                                  </p:childTnLst>
+                                </p:cTn>
+                              </p:par>
+                            </p:childTnLst>
+                          </p:cTn>
+                        </p:par>
+                      </p:childTnLst>
+                    </p:cTn>
+                  </p:par>
+                  <p:par>
+                    <p:cTn id="13" fill="hold">
+                      <p:stCondLst>
+                        <p:cond delay="indefinite"/>
+                      </p:stCondLst>
+                      <p:childTnLst>
+                        <p:par>
+                          <p:cTn id="14" fill="hold">
+                            <p:stCondLst>
+                              <p:cond delay="0"/>
+                            </p:stCondLst>
+                            <p:childTnLst>
+                              <p:par>
+                                <p:cTn id="15" presetID="1" presetClass="entr" presetSubtype="0" fill="hold" grpId="0" nodeType="clickEffect">
+                                  <p:stCondLst>
+                                    <p:cond delay="0"/>
+                                  </p:stCondLst>
+                                  <p:childTnLst>
+                                    <p:set>
+                                      <p:cBhvr>
+                                        <p:cTn id="16" dur="1" fill="hold">
+                                          <p:stCondLst>
+                                            <p:cond delay="0"/>
+                                          </p:stCondLst>
+                                        </p:cTn>
+                                        <p:tgtEl>
+                                          <p:spTgt spid="3">
+                                            <p:txEl>
+                                              <p:pRg st="3" end="3"/>
+                                            </p:txEl>
+                                          </p:spTgt>
+                                        </p:tgtEl>
+                                        <p:attrNameLst>
+                                          <p:attrName>style.visibility</p:attrName>
+                                        </p:attrNameLst>
+                                      </p:cBhvr>
+                                      <p:to>
+                                        <p:strVal val="visible"/>
+                                      </p:to>
+                                    </p:set>
+                                  </p:childTnLst>
+                                </p:cTn>
+                              </p:par>
+                            </p:childTnLst>
+                          </p:cTn>
+                        </p:par>
+                      </p:childTnLst>
+                    </p:cTn>
+                  </p:par>
+                  <p:par>
+                    <p:cTn id="17" fill="hold">
+                      <p:stCondLst>
+                        <p:cond delay="indefinite"/>
+                      </p:stCondLst>
+                      <p:childTnLst>
+                        <p:par>
+                          <p:cTn id="18" fill="hold">
+                            <p:stCondLst>
+                              <p:cond delay="0"/>
+                            </p:stCondLst>
+                            <p:childTnLst>
+                              <p:par>
+                                <p:cTn id="19" presetID="1" presetClass="entr" presetSubtype="0" fill="hold" grpId="0" nodeType="clickEffect">
+                                  <p:stCondLst>
+                                    <p:cond delay="0"/>
+                                  </p:stCondLst>
+                                  <p:childTnLst>
+                                    <p:set>
+                                      <p:cBhvr>
+                                        <p:cTn id="20" dur="1" fill="hold">
+                                          <p:stCondLst>
+                                            <p:cond delay="0"/>
+                                          </p:stCondLst>
+                                        </p:cTn>
+                                        <p:tgtEl>
+                                          <p:spTgt spid="3">
+                                            <p:txEl>
+                                              <p:pRg st="4" end="4"/>
+                                            </p:txEl>
+                                          </p:spTgt>
+                                        </p:tgtEl>
+                                        <p:attrNameLst>
+                                          <p:attrName>style.visibility</p:attrName>
+                                        </p:attrNameLst>
+                                      </p:cBhvr>
+                                      <p:to>
+                                        <p:strVal val="visible"/>
+                                      </p:to>
+                                    </p:set>
+                                  </p:childTnLst>
+                                </p:cTn>
+                              </p:par>
+                              <p:par>
+                                <p:cTn id="21" presetID="1" presetClass="entr" presetSubtype="0" fill="hold" grpId="0" nodeType="withEffect">
+                                  <p:stCondLst>
+                                    <p:cond delay="0"/>
+                                  </p:stCondLst>
+                                  <p:childTnLst>
+                                    <p:set>
+                                      <p:cBhvr>
+                                        <p:cTn id="22" dur="1" fill="hold">
+                                          <p:stCondLst>
+                                            <p:cond delay="0"/>
+                                          </p:stCondLst>
+                                        </p:cTn>
+                                        <p:tgtEl>
+                                          <p:spTgt spid="3">
+                                            <p:txEl>
+                                              <p:pRg st="5" end="5"/>
+                                            </p:txEl>
+                                          </p:spTgt>
+                                        </p:tgtEl>
+                                        <p:attrNameLst>
+                                          <p:attrName>style.visibility</p:attrName>
+                                        </p:attrNameLst>
+                                      </p:cBhvr>
+                                      <p:to>
+                                        <p:strVal val="visible"/>
+                                      </p:to>
+                                    </p:set>
+                                  </p:childTnLst>
+                                </p:cTn>
+                              </p:par>
+                            </p:childTnLst>
+                          </p:cTn>
+                        </p:par>
+                      </p:childTnLst>
+                    </p:cTn>
+                  </p:par>
+                  <p:par>
+                    <p:cTn id="23" fill="hold">
+                      <p:stCondLst>
+                        <p:cond delay="indefinite"/>
+                      </p:stCondLst>
+                      <p:childTnLst>
+                        <p:par>
+                          <p:cTn id="24" fill="hold">
+                            <p:stCondLst>
+                              <p:cond delay="0"/>
+                            </p:stCondLst>
+                            <p:childTnLst>
+                              <p:par>
+                                <p:cTn id="25" presetID="1" presetClass="entr" presetSubtype="0" fill="hold" grpId="0" nodeType="clickEffect">
+                                  <p:stCondLst>
+                                    <p:cond delay="0"/>
+                                  </p:stCondLst>
+                                  <p:childTnLst>
+                                    <p:set>
+                                      <p:cBhvr>
+                                        <p:cTn id="26" dur="1" fill="hold">
+                                          <p:stCondLst>
+                                            <p:cond delay="0"/>
+                                          </p:stCondLst>
+                                        </p:cTn>
+                                        <p:tgtEl>
+                                          <p:spTgt spid="3">
+                                            <p:txEl>
+                                              <p:pRg st="6" end="6"/>
+                                            </p:txEl>
+                                          </p:spTgt>
+                                        </p:tgtEl>
+                                        <p:attrNameLst>
+                                          <p:attrName>style.visibility</p:attrName>
+                                        </p:attrNameLst>
+                                      </p:cBhvr>
+                                      <p:to>
+                                        <p:strVal val="visible"/>
+                                      </p:to>
+                                    </p:set>
+                                  </p:childTnLst>
+                                </p:cTn>
+                              </p:par>
+                            </p:childTnLst>
+                          </p:cTn>
+                        </p:par>
+                      </p:childTnLst>
+                    </p:cTn>
+                  </p:par>
+                </p:childTnLst>
+              </p:cTn>
+              <p:prevCondLst>
+                <p:cond evt="onPrev" delay="0">
+                  <p:tgtEl>
+                    <p:sldTgt/>
+                  </p:tgtEl>
+                </p:cond>
+              </p:prevCondLst>
+              <p:nextCondLst>
+                <p:cond evt="onNext" delay="0">
+                  <p:tgtEl>
+                    <p:sldTgt/>
+                  </p:tgtEl>
+                </p:cond>
+              </p:nextCondLst>
+            </p:seq>
+          </p:childTnLst>
+        </p:cTn>
+      </p:par>
+    </p:tnLst>
+    <p:bldLst>
+      <p:bldP spid="3" grpId="0" build="p"/>
+    </p:bldLst>
+  </p:timing>
 </p:sld>
 </file>
 
@@ -10025,9 +12421,12 @@
           <a:p>
             <a:pPr lvl="1"/>
             <a:r>
-              <a:rPr lang="en-US" dirty="0"/>
+              <a:rPr lang="en-US" dirty="0">
+                <a:hlinkClick r:id="rId2"/>
+              </a:rPr>
               <a:t>Sample job file on GitHub repo</a:t>
             </a:r>
+            <a:endParaRPr lang="en-US" dirty="0"/>
           </a:p>
           <a:p>
             <a:r>
@@ -10066,7 +12465,7 @@
           <p:nvPr/>
         </p:nvPicPr>
         <p:blipFill>
-          <a:blip r:embed="rId2"/>
+          <a:blip r:embed="rId3"/>
           <a:stretch>
             <a:fillRect/>
           </a:stretch>
@@ -10096,7 +12495,7 @@
           <p:nvPr/>
         </p:nvPicPr>
         <p:blipFill>
-          <a:blip r:embed="rId3"/>
+          <a:blip r:embed="rId4"/>
           <a:stretch>
             <a:fillRect/>
           </a:stretch>
@@ -10269,6 +12668,341 @@
   <p:clrMapOvr>
     <a:masterClrMapping/>
   </p:clrMapOvr>
+  <p:timing>
+    <p:tnLst>
+      <p:par>
+        <p:cTn id="1" dur="indefinite" restart="never" nodeType="tmRoot">
+          <p:childTnLst>
+            <p:seq concurrent="1" nextAc="seek">
+              <p:cTn id="2" dur="indefinite" nodeType="mainSeq">
+                <p:childTnLst>
+                  <p:par>
+                    <p:cTn id="3" fill="hold">
+                      <p:stCondLst>
+                        <p:cond delay="indefinite"/>
+                      </p:stCondLst>
+                      <p:childTnLst>
+                        <p:par>
+                          <p:cTn id="4" fill="hold">
+                            <p:stCondLst>
+                              <p:cond delay="0"/>
+                            </p:stCondLst>
+                            <p:childTnLst>
+                              <p:par>
+                                <p:cTn id="5" presetID="1" presetClass="entr" presetSubtype="0" fill="hold" grpId="0" nodeType="clickEffect">
+                                  <p:stCondLst>
+                                    <p:cond delay="0"/>
+                                  </p:stCondLst>
+                                  <p:childTnLst>
+                                    <p:set>
+                                      <p:cBhvr>
+                                        <p:cTn id="6" dur="1" fill="hold">
+                                          <p:stCondLst>
+                                            <p:cond delay="0"/>
+                                          </p:stCondLst>
+                                        </p:cTn>
+                                        <p:tgtEl>
+                                          <p:spTgt spid="3">
+                                            <p:txEl>
+                                              <p:pRg st="0" end="0"/>
+                                            </p:txEl>
+                                          </p:spTgt>
+                                        </p:tgtEl>
+                                        <p:attrNameLst>
+                                          <p:attrName>style.visibility</p:attrName>
+                                        </p:attrNameLst>
+                                      </p:cBhvr>
+                                      <p:to>
+                                        <p:strVal val="visible"/>
+                                      </p:to>
+                                    </p:set>
+                                  </p:childTnLst>
+                                </p:cTn>
+                              </p:par>
+                              <p:par>
+                                <p:cTn id="7" presetID="1" presetClass="entr" presetSubtype="0" fill="hold" grpId="0" nodeType="withEffect">
+                                  <p:stCondLst>
+                                    <p:cond delay="0"/>
+                                  </p:stCondLst>
+                                  <p:childTnLst>
+                                    <p:set>
+                                      <p:cBhvr>
+                                        <p:cTn id="8" dur="1" fill="hold">
+                                          <p:stCondLst>
+                                            <p:cond delay="0"/>
+                                          </p:stCondLst>
+                                        </p:cTn>
+                                        <p:tgtEl>
+                                          <p:spTgt spid="3">
+                                            <p:txEl>
+                                              <p:pRg st="1" end="1"/>
+                                            </p:txEl>
+                                          </p:spTgt>
+                                        </p:tgtEl>
+                                        <p:attrNameLst>
+                                          <p:attrName>style.visibility</p:attrName>
+                                        </p:attrNameLst>
+                                      </p:cBhvr>
+                                      <p:to>
+                                        <p:strVal val="visible"/>
+                                      </p:to>
+                                    </p:set>
+                                  </p:childTnLst>
+                                </p:cTn>
+                              </p:par>
+                            </p:childTnLst>
+                          </p:cTn>
+                        </p:par>
+                      </p:childTnLst>
+                    </p:cTn>
+                  </p:par>
+                  <p:par>
+                    <p:cTn id="9" fill="hold">
+                      <p:stCondLst>
+                        <p:cond delay="indefinite"/>
+                      </p:stCondLst>
+                      <p:childTnLst>
+                        <p:par>
+                          <p:cTn id="10" fill="hold">
+                            <p:stCondLst>
+                              <p:cond delay="0"/>
+                            </p:stCondLst>
+                            <p:childTnLst>
+                              <p:par>
+                                <p:cTn id="11" presetID="1" presetClass="entr" presetSubtype="0" fill="hold" grpId="0" nodeType="clickEffect">
+                                  <p:stCondLst>
+                                    <p:cond delay="0"/>
+                                  </p:stCondLst>
+                                  <p:childTnLst>
+                                    <p:set>
+                                      <p:cBhvr>
+                                        <p:cTn id="12" dur="1" fill="hold">
+                                          <p:stCondLst>
+                                            <p:cond delay="0"/>
+                                          </p:stCondLst>
+                                        </p:cTn>
+                                        <p:tgtEl>
+                                          <p:spTgt spid="3">
+                                            <p:txEl>
+                                              <p:pRg st="2" end="2"/>
+                                            </p:txEl>
+                                          </p:spTgt>
+                                        </p:tgtEl>
+                                        <p:attrNameLst>
+                                          <p:attrName>style.visibility</p:attrName>
+                                        </p:attrNameLst>
+                                      </p:cBhvr>
+                                      <p:to>
+                                        <p:strVal val="visible"/>
+                                      </p:to>
+                                    </p:set>
+                                  </p:childTnLst>
+                                </p:cTn>
+                              </p:par>
+                              <p:par>
+                                <p:cTn id="13" presetID="1" presetClass="entr" presetSubtype="0" fill="hold" grpId="0" nodeType="withEffect">
+                                  <p:stCondLst>
+                                    <p:cond delay="0"/>
+                                  </p:stCondLst>
+                                  <p:childTnLst>
+                                    <p:set>
+                                      <p:cBhvr>
+                                        <p:cTn id="14" dur="1" fill="hold">
+                                          <p:stCondLst>
+                                            <p:cond delay="0"/>
+                                          </p:stCondLst>
+                                        </p:cTn>
+                                        <p:tgtEl>
+                                          <p:spTgt spid="3">
+                                            <p:txEl>
+                                              <p:pRg st="3" end="3"/>
+                                            </p:txEl>
+                                          </p:spTgt>
+                                        </p:tgtEl>
+                                        <p:attrNameLst>
+                                          <p:attrName>style.visibility</p:attrName>
+                                        </p:attrNameLst>
+                                      </p:cBhvr>
+                                      <p:to>
+                                        <p:strVal val="visible"/>
+                                      </p:to>
+                                    </p:set>
+                                  </p:childTnLst>
+                                </p:cTn>
+                              </p:par>
+                              <p:par>
+                                <p:cTn id="15" presetID="1" presetClass="entr" presetSubtype="0" fill="hold" grpId="0" nodeType="withEffect">
+                                  <p:stCondLst>
+                                    <p:cond delay="0"/>
+                                  </p:stCondLst>
+                                  <p:childTnLst>
+                                    <p:set>
+                                      <p:cBhvr>
+                                        <p:cTn id="16" dur="1" fill="hold">
+                                          <p:stCondLst>
+                                            <p:cond delay="0"/>
+                                          </p:stCondLst>
+                                        </p:cTn>
+                                        <p:tgtEl>
+                                          <p:spTgt spid="3">
+                                            <p:txEl>
+                                              <p:pRg st="4" end="4"/>
+                                            </p:txEl>
+                                          </p:spTgt>
+                                        </p:tgtEl>
+                                        <p:attrNameLst>
+                                          <p:attrName>style.visibility</p:attrName>
+                                        </p:attrNameLst>
+                                      </p:cBhvr>
+                                      <p:to>
+                                        <p:strVal val="visible"/>
+                                      </p:to>
+                                    </p:set>
+                                  </p:childTnLst>
+                                </p:cTn>
+                              </p:par>
+                            </p:childTnLst>
+                          </p:cTn>
+                        </p:par>
+                      </p:childTnLst>
+                    </p:cTn>
+                  </p:par>
+                  <p:par>
+                    <p:cTn id="17" fill="hold">
+                      <p:stCondLst>
+                        <p:cond delay="indefinite"/>
+                      </p:stCondLst>
+                      <p:childTnLst>
+                        <p:par>
+                          <p:cTn id="18" fill="hold">
+                            <p:stCondLst>
+                              <p:cond delay="0"/>
+                            </p:stCondLst>
+                            <p:childTnLst>
+                              <p:par>
+                                <p:cTn id="19" presetID="1" presetClass="entr" presetSubtype="0" fill="hold" grpId="0" nodeType="clickEffect">
+                                  <p:stCondLst>
+                                    <p:cond delay="0"/>
+                                  </p:stCondLst>
+                                  <p:childTnLst>
+                                    <p:set>
+                                      <p:cBhvr>
+                                        <p:cTn id="20" dur="1" fill="hold">
+                                          <p:stCondLst>
+                                            <p:cond delay="0"/>
+                                          </p:stCondLst>
+                                        </p:cTn>
+                                        <p:tgtEl>
+                                          <p:spTgt spid="3">
+                                            <p:txEl>
+                                              <p:pRg st="5" end="5"/>
+                                            </p:txEl>
+                                          </p:spTgt>
+                                        </p:tgtEl>
+                                        <p:attrNameLst>
+                                          <p:attrName>style.visibility</p:attrName>
+                                        </p:attrNameLst>
+                                      </p:cBhvr>
+                                      <p:to>
+                                        <p:strVal val="visible"/>
+                                      </p:to>
+                                    </p:set>
+                                  </p:childTnLst>
+                                </p:cTn>
+                              </p:par>
+                              <p:par>
+                                <p:cTn id="21" presetID="1" presetClass="entr" presetSubtype="0" fill="hold" grpId="0" nodeType="withEffect">
+                                  <p:stCondLst>
+                                    <p:cond delay="0"/>
+                                  </p:stCondLst>
+                                  <p:childTnLst>
+                                    <p:set>
+                                      <p:cBhvr>
+                                        <p:cTn id="22" dur="1" fill="hold">
+                                          <p:stCondLst>
+                                            <p:cond delay="0"/>
+                                          </p:stCondLst>
+                                        </p:cTn>
+                                        <p:tgtEl>
+                                          <p:spTgt spid="3">
+                                            <p:txEl>
+                                              <p:pRg st="6" end="6"/>
+                                            </p:txEl>
+                                          </p:spTgt>
+                                        </p:tgtEl>
+                                        <p:attrNameLst>
+                                          <p:attrName>style.visibility</p:attrName>
+                                        </p:attrNameLst>
+                                      </p:cBhvr>
+                                      <p:to>
+                                        <p:strVal val="visible"/>
+                                      </p:to>
+                                    </p:set>
+                                  </p:childTnLst>
+                                </p:cTn>
+                              </p:par>
+                              <p:par>
+                                <p:cTn id="23" presetID="1" presetClass="entr" presetSubtype="0" fill="hold" grpId="0" nodeType="withEffect">
+                                  <p:stCondLst>
+                                    <p:cond delay="0"/>
+                                  </p:stCondLst>
+                                  <p:childTnLst>
+                                    <p:set>
+                                      <p:cBhvr>
+                                        <p:cTn id="24" dur="1" fill="hold">
+                                          <p:stCondLst>
+                                            <p:cond delay="0"/>
+                                          </p:stCondLst>
+                                        </p:cTn>
+                                        <p:tgtEl>
+                                          <p:spTgt spid="3">
+                                            <p:txEl>
+                                              <p:pRg st="7" end="7"/>
+                                            </p:txEl>
+                                          </p:spTgt>
+                                        </p:tgtEl>
+                                        <p:attrNameLst>
+                                          <p:attrName>style.visibility</p:attrName>
+                                        </p:attrNameLst>
+                                      </p:cBhvr>
+                                      <p:to>
+                                        <p:strVal val="visible"/>
+                                      </p:to>
+                                    </p:set>
+                                  </p:childTnLst>
+                                </p:cTn>
+                              </p:par>
+                            </p:childTnLst>
+                          </p:cTn>
+                        </p:par>
+                      </p:childTnLst>
+                    </p:cTn>
+                  </p:par>
+                </p:childTnLst>
+              </p:cTn>
+              <p:prevCondLst>
+                <p:cond evt="onPrev" delay="0">
+                  <p:tgtEl>
+                    <p:sldTgt/>
+                  </p:tgtEl>
+                </p:cond>
+              </p:prevCondLst>
+              <p:nextCondLst>
+                <p:cond evt="onNext" delay="0">
+                  <p:tgtEl>
+                    <p:sldTgt/>
+                  </p:tgtEl>
+                </p:cond>
+              </p:nextCondLst>
+            </p:seq>
+          </p:childTnLst>
+        </p:cTn>
+      </p:par>
+    </p:tnLst>
+    <p:bldLst>
+      <p:bldP spid="3" grpId="0" build="p"/>
+    </p:bldLst>
+  </p:timing>
 </p:sld>
 </file>
 
@@ -10512,6 +13246,395 @@
   <p:clrMapOvr>
     <a:masterClrMapping/>
   </p:clrMapOvr>
+  <p:timing>
+    <p:tnLst>
+      <p:par>
+        <p:cTn id="1" dur="indefinite" restart="never" nodeType="tmRoot">
+          <p:childTnLst>
+            <p:seq concurrent="1" nextAc="seek">
+              <p:cTn id="2" dur="indefinite" nodeType="mainSeq">
+                <p:childTnLst>
+                  <p:par>
+                    <p:cTn id="3" fill="hold">
+                      <p:stCondLst>
+                        <p:cond delay="indefinite"/>
+                      </p:stCondLst>
+                      <p:childTnLst>
+                        <p:par>
+                          <p:cTn id="4" fill="hold">
+                            <p:stCondLst>
+                              <p:cond delay="0"/>
+                            </p:stCondLst>
+                            <p:childTnLst>
+                              <p:par>
+                                <p:cTn id="5" presetID="1" presetClass="entr" presetSubtype="0" fill="hold" grpId="0" nodeType="clickEffect">
+                                  <p:stCondLst>
+                                    <p:cond delay="0"/>
+                                  </p:stCondLst>
+                                  <p:childTnLst>
+                                    <p:set>
+                                      <p:cBhvr>
+                                        <p:cTn id="6" dur="1" fill="hold">
+                                          <p:stCondLst>
+                                            <p:cond delay="0"/>
+                                          </p:stCondLst>
+                                        </p:cTn>
+                                        <p:tgtEl>
+                                          <p:spTgt spid="3">
+                                            <p:txEl>
+                                              <p:pRg st="0" end="0"/>
+                                            </p:txEl>
+                                          </p:spTgt>
+                                        </p:tgtEl>
+                                        <p:attrNameLst>
+                                          <p:attrName>style.visibility</p:attrName>
+                                        </p:attrNameLst>
+                                      </p:cBhvr>
+                                      <p:to>
+                                        <p:strVal val="visible"/>
+                                      </p:to>
+                                    </p:set>
+                                  </p:childTnLst>
+                                </p:cTn>
+                              </p:par>
+                              <p:par>
+                                <p:cTn id="7" presetID="1" presetClass="entr" presetSubtype="0" fill="hold" grpId="0" nodeType="withEffect">
+                                  <p:stCondLst>
+                                    <p:cond delay="0"/>
+                                  </p:stCondLst>
+                                  <p:childTnLst>
+                                    <p:set>
+                                      <p:cBhvr>
+                                        <p:cTn id="8" dur="1" fill="hold">
+                                          <p:stCondLst>
+                                            <p:cond delay="0"/>
+                                          </p:stCondLst>
+                                        </p:cTn>
+                                        <p:tgtEl>
+                                          <p:spTgt spid="3">
+                                            <p:txEl>
+                                              <p:pRg st="1" end="1"/>
+                                            </p:txEl>
+                                          </p:spTgt>
+                                        </p:tgtEl>
+                                        <p:attrNameLst>
+                                          <p:attrName>style.visibility</p:attrName>
+                                        </p:attrNameLst>
+                                      </p:cBhvr>
+                                      <p:to>
+                                        <p:strVal val="visible"/>
+                                      </p:to>
+                                    </p:set>
+                                  </p:childTnLst>
+                                </p:cTn>
+                              </p:par>
+                            </p:childTnLst>
+                          </p:cTn>
+                        </p:par>
+                      </p:childTnLst>
+                    </p:cTn>
+                  </p:par>
+                  <p:par>
+                    <p:cTn id="9" fill="hold">
+                      <p:stCondLst>
+                        <p:cond delay="indefinite"/>
+                      </p:stCondLst>
+                      <p:childTnLst>
+                        <p:par>
+                          <p:cTn id="10" fill="hold">
+                            <p:stCondLst>
+                              <p:cond delay="0"/>
+                            </p:stCondLst>
+                            <p:childTnLst>
+                              <p:par>
+                                <p:cTn id="11" presetID="1" presetClass="entr" presetSubtype="0" fill="hold" grpId="0" nodeType="clickEffect">
+                                  <p:stCondLst>
+                                    <p:cond delay="0"/>
+                                  </p:stCondLst>
+                                  <p:childTnLst>
+                                    <p:set>
+                                      <p:cBhvr>
+                                        <p:cTn id="12" dur="1" fill="hold">
+                                          <p:stCondLst>
+                                            <p:cond delay="0"/>
+                                          </p:stCondLst>
+                                        </p:cTn>
+                                        <p:tgtEl>
+                                          <p:spTgt spid="3">
+                                            <p:txEl>
+                                              <p:pRg st="2" end="2"/>
+                                            </p:txEl>
+                                          </p:spTgt>
+                                        </p:tgtEl>
+                                        <p:attrNameLst>
+                                          <p:attrName>style.visibility</p:attrName>
+                                        </p:attrNameLst>
+                                      </p:cBhvr>
+                                      <p:to>
+                                        <p:strVal val="visible"/>
+                                      </p:to>
+                                    </p:set>
+                                  </p:childTnLst>
+                                </p:cTn>
+                              </p:par>
+                            </p:childTnLst>
+                          </p:cTn>
+                        </p:par>
+                      </p:childTnLst>
+                    </p:cTn>
+                  </p:par>
+                  <p:par>
+                    <p:cTn id="13" fill="hold">
+                      <p:stCondLst>
+                        <p:cond delay="indefinite"/>
+                      </p:stCondLst>
+                      <p:childTnLst>
+                        <p:par>
+                          <p:cTn id="14" fill="hold">
+                            <p:stCondLst>
+                              <p:cond delay="0"/>
+                            </p:stCondLst>
+                            <p:childTnLst>
+                              <p:par>
+                                <p:cTn id="15" presetID="1" presetClass="entr" presetSubtype="0" fill="hold" grpId="0" nodeType="clickEffect">
+                                  <p:stCondLst>
+                                    <p:cond delay="0"/>
+                                  </p:stCondLst>
+                                  <p:childTnLst>
+                                    <p:set>
+                                      <p:cBhvr>
+                                        <p:cTn id="16" dur="1" fill="hold">
+                                          <p:stCondLst>
+                                            <p:cond delay="0"/>
+                                          </p:stCondLst>
+                                        </p:cTn>
+                                        <p:tgtEl>
+                                          <p:spTgt spid="3">
+                                            <p:txEl>
+                                              <p:pRg st="3" end="3"/>
+                                            </p:txEl>
+                                          </p:spTgt>
+                                        </p:tgtEl>
+                                        <p:attrNameLst>
+                                          <p:attrName>style.visibility</p:attrName>
+                                        </p:attrNameLst>
+                                      </p:cBhvr>
+                                      <p:to>
+                                        <p:strVal val="visible"/>
+                                      </p:to>
+                                    </p:set>
+                                  </p:childTnLst>
+                                </p:cTn>
+                              </p:par>
+                              <p:par>
+                                <p:cTn id="17" presetID="1" presetClass="entr" presetSubtype="0" fill="hold" grpId="0" nodeType="withEffect">
+                                  <p:stCondLst>
+                                    <p:cond delay="0"/>
+                                  </p:stCondLst>
+                                  <p:childTnLst>
+                                    <p:set>
+                                      <p:cBhvr>
+                                        <p:cTn id="18" dur="1" fill="hold">
+                                          <p:stCondLst>
+                                            <p:cond delay="0"/>
+                                          </p:stCondLst>
+                                        </p:cTn>
+                                        <p:tgtEl>
+                                          <p:spTgt spid="3">
+                                            <p:txEl>
+                                              <p:pRg st="4" end="4"/>
+                                            </p:txEl>
+                                          </p:spTgt>
+                                        </p:tgtEl>
+                                        <p:attrNameLst>
+                                          <p:attrName>style.visibility</p:attrName>
+                                        </p:attrNameLst>
+                                      </p:cBhvr>
+                                      <p:to>
+                                        <p:strVal val="visible"/>
+                                      </p:to>
+                                    </p:set>
+                                  </p:childTnLst>
+                                </p:cTn>
+                              </p:par>
+                            </p:childTnLst>
+                          </p:cTn>
+                        </p:par>
+                      </p:childTnLst>
+                    </p:cTn>
+                  </p:par>
+                  <p:par>
+                    <p:cTn id="19" fill="hold">
+                      <p:stCondLst>
+                        <p:cond delay="indefinite"/>
+                      </p:stCondLst>
+                      <p:childTnLst>
+                        <p:par>
+                          <p:cTn id="20" fill="hold">
+                            <p:stCondLst>
+                              <p:cond delay="0"/>
+                            </p:stCondLst>
+                            <p:childTnLst>
+                              <p:par>
+                                <p:cTn id="21" presetID="1" presetClass="entr" presetSubtype="0" fill="hold" grpId="0" nodeType="clickEffect">
+                                  <p:stCondLst>
+                                    <p:cond delay="0"/>
+                                  </p:stCondLst>
+                                  <p:childTnLst>
+                                    <p:set>
+                                      <p:cBhvr>
+                                        <p:cTn id="22" dur="1" fill="hold">
+                                          <p:stCondLst>
+                                            <p:cond delay="0"/>
+                                          </p:stCondLst>
+                                        </p:cTn>
+                                        <p:tgtEl>
+                                          <p:spTgt spid="3">
+                                            <p:txEl>
+                                              <p:pRg st="5" end="5"/>
+                                            </p:txEl>
+                                          </p:spTgt>
+                                        </p:tgtEl>
+                                        <p:attrNameLst>
+                                          <p:attrName>style.visibility</p:attrName>
+                                        </p:attrNameLst>
+                                      </p:cBhvr>
+                                      <p:to>
+                                        <p:strVal val="visible"/>
+                                      </p:to>
+                                    </p:set>
+                                  </p:childTnLst>
+                                </p:cTn>
+                              </p:par>
+                            </p:childTnLst>
+                          </p:cTn>
+                        </p:par>
+                      </p:childTnLst>
+                    </p:cTn>
+                  </p:par>
+                  <p:par>
+                    <p:cTn id="23" fill="hold">
+                      <p:stCondLst>
+                        <p:cond delay="indefinite"/>
+                      </p:stCondLst>
+                      <p:childTnLst>
+                        <p:par>
+                          <p:cTn id="24" fill="hold">
+                            <p:stCondLst>
+                              <p:cond delay="0"/>
+                            </p:stCondLst>
+                            <p:childTnLst>
+                              <p:par>
+                                <p:cTn id="25" presetID="1" presetClass="entr" presetSubtype="0" fill="hold" grpId="0" nodeType="clickEffect">
+                                  <p:stCondLst>
+                                    <p:cond delay="0"/>
+                                  </p:stCondLst>
+                                  <p:childTnLst>
+                                    <p:set>
+                                      <p:cBhvr>
+                                        <p:cTn id="26" dur="1" fill="hold">
+                                          <p:stCondLst>
+                                            <p:cond delay="0"/>
+                                          </p:stCondLst>
+                                        </p:cTn>
+                                        <p:tgtEl>
+                                          <p:spTgt spid="3">
+                                            <p:txEl>
+                                              <p:pRg st="7" end="7"/>
+                                            </p:txEl>
+                                          </p:spTgt>
+                                        </p:tgtEl>
+                                        <p:attrNameLst>
+                                          <p:attrName>style.visibility</p:attrName>
+                                        </p:attrNameLst>
+                                      </p:cBhvr>
+                                      <p:to>
+                                        <p:strVal val="visible"/>
+                                      </p:to>
+                                    </p:set>
+                                  </p:childTnLst>
+                                </p:cTn>
+                              </p:par>
+                            </p:childTnLst>
+                          </p:cTn>
+                        </p:par>
+                      </p:childTnLst>
+                    </p:cTn>
+                  </p:par>
+                  <p:par>
+                    <p:cTn id="27" fill="hold">
+                      <p:stCondLst>
+                        <p:cond delay="indefinite"/>
+                      </p:stCondLst>
+                      <p:childTnLst>
+                        <p:par>
+                          <p:cTn id="28" fill="hold">
+                            <p:stCondLst>
+                              <p:cond delay="0"/>
+                            </p:stCondLst>
+                            <p:childTnLst>
+                              <p:par>
+                                <p:cTn id="29" presetID="1" presetClass="entr" presetSubtype="0" fill="hold" grpId="0" nodeType="clickEffect">
+                                  <p:stCondLst>
+                                    <p:cond delay="0"/>
+                                  </p:stCondLst>
+                                  <p:childTnLst>
+                                    <p:set>
+                                      <p:cBhvr>
+                                        <p:cTn id="30" dur="1" fill="hold">
+                                          <p:stCondLst>
+                                            <p:cond delay="0"/>
+                                          </p:stCondLst>
+                                        </p:cTn>
+                                        <p:tgtEl>
+                                          <p:spTgt spid="3">
+                                            <p:txEl>
+                                              <p:pRg st="8" end="8"/>
+                                            </p:txEl>
+                                          </p:spTgt>
+                                        </p:tgtEl>
+                                        <p:attrNameLst>
+                                          <p:attrName>style.visibility</p:attrName>
+                                        </p:attrNameLst>
+                                      </p:cBhvr>
+                                      <p:to>
+                                        <p:strVal val="visible"/>
+                                      </p:to>
+                                    </p:set>
+                                  </p:childTnLst>
+                                </p:cTn>
+                              </p:par>
+                            </p:childTnLst>
+                          </p:cTn>
+                        </p:par>
+                      </p:childTnLst>
+                    </p:cTn>
+                  </p:par>
+                </p:childTnLst>
+              </p:cTn>
+              <p:prevCondLst>
+                <p:cond evt="onPrev" delay="0">
+                  <p:tgtEl>
+                    <p:sldTgt/>
+                  </p:tgtEl>
+                </p:cond>
+              </p:prevCondLst>
+              <p:nextCondLst>
+                <p:cond evt="onNext" delay="0">
+                  <p:tgtEl>
+                    <p:sldTgt/>
+                  </p:tgtEl>
+                </p:cond>
+              </p:nextCondLst>
+            </p:seq>
+          </p:childTnLst>
+        </p:cTn>
+      </p:par>
+    </p:tnLst>
+    <p:bldLst>
+      <p:bldP spid="3" grpId="0" build="p"/>
+    </p:bldLst>
+  </p:timing>
 </p:sld>
 </file>
 
@@ -10593,7 +13716,7 @@
           <a:p>
             <a:r>
               <a:rPr lang="en-US" dirty="0"/>
-              <a:t>Provides a GUI to file system on Sherlock</a:t>
+              <a:t>Provides a GUI for file system on Sherlock</a:t>
             </a:r>
           </a:p>
           <a:p>
@@ -11841,6 +14964,220 @@
   <p:clrMapOvr>
     <a:masterClrMapping/>
   </p:clrMapOvr>
+  <p:timing>
+    <p:tnLst>
+      <p:par>
+        <p:cTn id="1" dur="indefinite" restart="never" nodeType="tmRoot">
+          <p:childTnLst>
+            <p:seq concurrent="1" nextAc="seek">
+              <p:cTn id="2" dur="indefinite" nodeType="mainSeq">
+                <p:childTnLst>
+                  <p:par>
+                    <p:cTn id="3" fill="hold">
+                      <p:stCondLst>
+                        <p:cond delay="indefinite"/>
+                      </p:stCondLst>
+                      <p:childTnLst>
+                        <p:par>
+                          <p:cTn id="4" fill="hold">
+                            <p:stCondLst>
+                              <p:cond delay="0"/>
+                            </p:stCondLst>
+                            <p:childTnLst>
+                              <p:par>
+                                <p:cTn id="5" presetID="1" presetClass="entr" presetSubtype="0" fill="hold" nodeType="clickEffect">
+                                  <p:stCondLst>
+                                    <p:cond delay="0"/>
+                                  </p:stCondLst>
+                                  <p:childTnLst>
+                                    <p:set>
+                                      <p:cBhvr>
+                                        <p:cTn id="6" dur="1" fill="hold">
+                                          <p:stCondLst>
+                                            <p:cond delay="0"/>
+                                          </p:stCondLst>
+                                        </p:cTn>
+                                        <p:tgtEl>
+                                          <p:spTgt spid="78"/>
+                                        </p:tgtEl>
+                                        <p:attrNameLst>
+                                          <p:attrName>style.visibility</p:attrName>
+                                        </p:attrNameLst>
+                                      </p:cBhvr>
+                                      <p:to>
+                                        <p:strVal val="visible"/>
+                                      </p:to>
+                                    </p:set>
+                                  </p:childTnLst>
+                                </p:cTn>
+                              </p:par>
+                              <p:par>
+                                <p:cTn id="7" presetID="1" presetClass="entr" presetSubtype="0" fill="hold" grpId="0" nodeType="withEffect">
+                                  <p:stCondLst>
+                                    <p:cond delay="0"/>
+                                  </p:stCondLst>
+                                  <p:childTnLst>
+                                    <p:set>
+                                      <p:cBhvr>
+                                        <p:cTn id="8" dur="1" fill="hold">
+                                          <p:stCondLst>
+                                            <p:cond delay="0"/>
+                                          </p:stCondLst>
+                                        </p:cTn>
+                                        <p:tgtEl>
+                                          <p:spTgt spid="83">
+                                            <p:txEl>
+                                              <p:pRg st="0" end="0"/>
+                                            </p:txEl>
+                                          </p:spTgt>
+                                        </p:tgtEl>
+                                        <p:attrNameLst>
+                                          <p:attrName>style.visibility</p:attrName>
+                                        </p:attrNameLst>
+                                      </p:cBhvr>
+                                      <p:to>
+                                        <p:strVal val="visible"/>
+                                      </p:to>
+                                    </p:set>
+                                  </p:childTnLst>
+                                </p:cTn>
+                              </p:par>
+                            </p:childTnLst>
+                          </p:cTn>
+                        </p:par>
+                      </p:childTnLst>
+                    </p:cTn>
+                  </p:par>
+                  <p:par>
+                    <p:cTn id="9" fill="hold">
+                      <p:stCondLst>
+                        <p:cond delay="indefinite"/>
+                      </p:stCondLst>
+                      <p:childTnLst>
+                        <p:par>
+                          <p:cTn id="10" fill="hold">
+                            <p:stCondLst>
+                              <p:cond delay="0"/>
+                            </p:stCondLst>
+                            <p:childTnLst>
+                              <p:par>
+                                <p:cTn id="11" presetID="1" presetClass="entr" presetSubtype="0" fill="hold" grpId="0" nodeType="clickEffect">
+                                  <p:stCondLst>
+                                    <p:cond delay="0"/>
+                                  </p:stCondLst>
+                                  <p:childTnLst>
+                                    <p:set>
+                                      <p:cBhvr>
+                                        <p:cTn id="12" dur="1" fill="hold">
+                                          <p:stCondLst>
+                                            <p:cond delay="0"/>
+                                          </p:stCondLst>
+                                        </p:cTn>
+                                        <p:tgtEl>
+                                          <p:spTgt spid="82"/>
+                                        </p:tgtEl>
+                                        <p:attrNameLst>
+                                          <p:attrName>style.visibility</p:attrName>
+                                        </p:attrNameLst>
+                                      </p:cBhvr>
+                                      <p:to>
+                                        <p:strVal val="visible"/>
+                                      </p:to>
+                                    </p:set>
+                                  </p:childTnLst>
+                                </p:cTn>
+                              </p:par>
+                              <p:par>
+                                <p:cTn id="13" presetID="1" presetClass="entr" presetSubtype="0" fill="hold" grpId="0" nodeType="withEffect">
+                                  <p:stCondLst>
+                                    <p:cond delay="0"/>
+                                  </p:stCondLst>
+                                  <p:childTnLst>
+                                    <p:set>
+                                      <p:cBhvr>
+                                        <p:cTn id="14" dur="1" fill="hold">
+                                          <p:stCondLst>
+                                            <p:cond delay="0"/>
+                                          </p:stCondLst>
+                                        </p:cTn>
+                                        <p:tgtEl>
+                                          <p:spTgt spid="77">
+                                            <p:txEl>
+                                              <p:pRg st="0" end="0"/>
+                                            </p:txEl>
+                                          </p:spTgt>
+                                        </p:tgtEl>
+                                        <p:attrNameLst>
+                                          <p:attrName>style.visibility</p:attrName>
+                                        </p:attrNameLst>
+                                      </p:cBhvr>
+                                      <p:to>
+                                        <p:strVal val="visible"/>
+                                      </p:to>
+                                    </p:set>
+                                  </p:childTnLst>
+                                </p:cTn>
+                              </p:par>
+                              <p:par>
+                                <p:cTn id="15" presetID="1" presetClass="entr" presetSubtype="0" fill="hold" nodeType="withEffect">
+                                  <p:stCondLst>
+                                    <p:cond delay="0"/>
+                                  </p:stCondLst>
+                                  <p:childTnLst>
+                                    <p:set>
+                                      <p:cBhvr>
+                                        <p:cTn id="16" dur="1" fill="hold">
+                                          <p:stCondLst>
+                                            <p:cond delay="0"/>
+                                          </p:stCondLst>
+                                        </p:cTn>
+                                        <p:tgtEl>
+                                          <p:spTgt spid="76"/>
+                                        </p:tgtEl>
+                                        <p:attrNameLst>
+                                          <p:attrName>style.visibility</p:attrName>
+                                        </p:attrNameLst>
+                                      </p:cBhvr>
+                                      <p:to>
+                                        <p:strVal val="visible"/>
+                                      </p:to>
+                                    </p:set>
+                                  </p:childTnLst>
+                                </p:cTn>
+                              </p:par>
+                            </p:childTnLst>
+                          </p:cTn>
+                        </p:par>
+                      </p:childTnLst>
+                    </p:cTn>
+                  </p:par>
+                </p:childTnLst>
+              </p:cTn>
+              <p:prevCondLst>
+                <p:cond evt="onPrev" delay="0">
+                  <p:tgtEl>
+                    <p:sldTgt/>
+                  </p:tgtEl>
+                </p:cond>
+              </p:prevCondLst>
+              <p:nextCondLst>
+                <p:cond evt="onNext" delay="0">
+                  <p:tgtEl>
+                    <p:sldTgt/>
+                  </p:tgtEl>
+                </p:cond>
+              </p:nextCondLst>
+            </p:seq>
+          </p:childTnLst>
+        </p:cTn>
+      </p:par>
+    </p:tnLst>
+    <p:bldLst>
+      <p:bldP spid="77" grpId="0" build="p"/>
+      <p:bldP spid="82" grpId="0" animBg="1"/>
+      <p:bldP spid="83" grpId="0" build="p"/>
+    </p:bldLst>
+  </p:timing>
 </p:sld>
 </file>
 
